--- a/Kosea_Mid_Project/김준형 Project-2nd.pptx
+++ b/Kosea_Mid_Project/김준형 Project-2nd.pptx
@@ -6566,7 +6566,7 @@
             <a:fld id="{65771C21-3757-4199-83DE-22960358A2A5}" type="datetimeFigureOut">
               <a:rPr lang="ko-KR" altLang="en-US" smtClean="0"/>
               <a:pPr/>
-              <a:t>2020-06-22</a:t>
+              <a:t>2020-06-23</a:t>
             </a:fld>
             <a:endParaRPr lang="ko-KR" altLang="en-US"/>
           </a:p>
@@ -9302,7 +9302,7 @@
             <a:fld id="{A22FE722-38C7-4231-8BB5-7A27D4E5977D}" type="datetimeFigureOut">
               <a:rPr lang="ko-KR" altLang="en-US" smtClean="0"/>
               <a:pPr/>
-              <a:t>2020-06-22</a:t>
+              <a:t>2020-06-23</a:t>
             </a:fld>
             <a:endParaRPr lang="ko-KR" altLang="en-US"/>
           </a:p>
@@ -9467,7 +9467,7 @@
             <a:fld id="{A22FE722-38C7-4231-8BB5-7A27D4E5977D}" type="datetimeFigureOut">
               <a:rPr lang="ko-KR" altLang="en-US" smtClean="0"/>
               <a:pPr/>
-              <a:t>2020-06-22</a:t>
+              <a:t>2020-06-23</a:t>
             </a:fld>
             <a:endParaRPr lang="ko-KR" altLang="en-US"/>
           </a:p>
@@ -9642,7 +9642,7 @@
             <a:fld id="{A22FE722-38C7-4231-8BB5-7A27D4E5977D}" type="datetimeFigureOut">
               <a:rPr lang="ko-KR" altLang="en-US" smtClean="0"/>
               <a:pPr/>
-              <a:t>2020-06-22</a:t>
+              <a:t>2020-06-23</a:t>
             </a:fld>
             <a:endParaRPr lang="ko-KR" altLang="en-US"/>
           </a:p>
@@ -9807,7 +9807,7 @@
             <a:fld id="{A22FE722-38C7-4231-8BB5-7A27D4E5977D}" type="datetimeFigureOut">
               <a:rPr lang="ko-KR" altLang="en-US" smtClean="0"/>
               <a:pPr/>
-              <a:t>2020-06-22</a:t>
+              <a:t>2020-06-23</a:t>
             </a:fld>
             <a:endParaRPr lang="ko-KR" altLang="en-US"/>
           </a:p>
@@ -10049,7 +10049,7 @@
             <a:fld id="{A22FE722-38C7-4231-8BB5-7A27D4E5977D}" type="datetimeFigureOut">
               <a:rPr lang="ko-KR" altLang="en-US" smtClean="0"/>
               <a:pPr/>
-              <a:t>2020-06-22</a:t>
+              <a:t>2020-06-23</a:t>
             </a:fld>
             <a:endParaRPr lang="ko-KR" altLang="en-US"/>
           </a:p>
@@ -10331,7 +10331,7 @@
             <a:fld id="{A22FE722-38C7-4231-8BB5-7A27D4E5977D}" type="datetimeFigureOut">
               <a:rPr lang="ko-KR" altLang="en-US" smtClean="0"/>
               <a:pPr/>
-              <a:t>2020-06-22</a:t>
+              <a:t>2020-06-23</a:t>
             </a:fld>
             <a:endParaRPr lang="ko-KR" altLang="en-US"/>
           </a:p>
@@ -10747,7 +10747,7 @@
             <a:fld id="{A22FE722-38C7-4231-8BB5-7A27D4E5977D}" type="datetimeFigureOut">
               <a:rPr lang="ko-KR" altLang="en-US" smtClean="0"/>
               <a:pPr/>
-              <a:t>2020-06-22</a:t>
+              <a:t>2020-06-23</a:t>
             </a:fld>
             <a:endParaRPr lang="ko-KR" altLang="en-US"/>
           </a:p>
@@ -10861,7 +10861,7 @@
             <a:fld id="{A22FE722-38C7-4231-8BB5-7A27D4E5977D}" type="datetimeFigureOut">
               <a:rPr lang="ko-KR" altLang="en-US" smtClean="0"/>
               <a:pPr/>
-              <a:t>2020-06-22</a:t>
+              <a:t>2020-06-23</a:t>
             </a:fld>
             <a:endParaRPr lang="ko-KR" altLang="en-US"/>
           </a:p>
@@ -10953,7 +10953,7 @@
             <a:fld id="{A22FE722-38C7-4231-8BB5-7A27D4E5977D}" type="datetimeFigureOut">
               <a:rPr lang="ko-KR" altLang="en-US" smtClean="0"/>
               <a:pPr/>
-              <a:t>2020-06-22</a:t>
+              <a:t>2020-06-23</a:t>
             </a:fld>
             <a:endParaRPr lang="ko-KR" altLang="en-US"/>
           </a:p>
@@ -11225,7 +11225,7 @@
             <a:fld id="{A22FE722-38C7-4231-8BB5-7A27D4E5977D}" type="datetimeFigureOut">
               <a:rPr lang="ko-KR" altLang="en-US" smtClean="0"/>
               <a:pPr/>
-              <a:t>2020-06-22</a:t>
+              <a:t>2020-06-23</a:t>
             </a:fld>
             <a:endParaRPr lang="ko-KR" altLang="en-US"/>
           </a:p>
@@ -11474,7 +11474,7 @@
             <a:fld id="{A22FE722-38C7-4231-8BB5-7A27D4E5977D}" type="datetimeFigureOut">
               <a:rPr lang="ko-KR" altLang="en-US" smtClean="0"/>
               <a:pPr/>
-              <a:t>2020-06-22</a:t>
+              <a:t>2020-06-23</a:t>
             </a:fld>
             <a:endParaRPr lang="ko-KR" altLang="en-US"/>
           </a:p>
@@ -11682,7 +11682,7 @@
             <a:fld id="{A22FE722-38C7-4231-8BB5-7A27D4E5977D}" type="datetimeFigureOut">
               <a:rPr lang="ko-KR" altLang="en-US" smtClean="0"/>
               <a:pPr/>
-              <a:t>2020-06-22</a:t>
+              <a:t>2020-06-23</a:t>
             </a:fld>
             <a:endParaRPr lang="ko-KR" altLang="en-US"/>
           </a:p>
@@ -12212,7 +12212,7 @@
         </p:nvSpPr>
         <p:spPr>
           <a:xfrm>
-            <a:off x="2915816" y="6114782"/>
+            <a:off x="2915816" y="6093296"/>
             <a:ext cx="3600400" cy="338554"/>
           </a:xfrm>
           <a:prstGeom prst="rect">
@@ -12228,12 +12228,12 @@
           <a:p>
             <a:pPr algn="ctr"/>
             <a:r>
-              <a:rPr lang="en-US" altLang="ko-KR" sz="1600">
+              <a:rPr lang="en-US" altLang="ko-KR" sz="1600" dirty="0">
                 <a:solidFill>
                   <a:schemeClr val="bg1"/>
                 </a:solidFill>
               </a:rPr>
-              <a:t>2020-06-24</a:t>
+              <a:t>2020-06-25</a:t>
             </a:r>
             <a:endParaRPr lang="ko-KR" altLang="en-US" sz="1600" dirty="0">
               <a:solidFill>
@@ -12443,7 +12443,7 @@
         </p:nvSpPr>
         <p:spPr>
           <a:xfrm>
-            <a:off x="523231" y="1844824"/>
+            <a:off x="523231" y="1688627"/>
             <a:ext cx="4264793" cy="4332661"/>
           </a:xfrm>
           <a:prstGeom prst="rect">
@@ -12566,22 +12566,11 @@
             </a:r>
             <a:r>
               <a:rPr lang="ko-KR" altLang="en-US" sz="1400" b="1" dirty="0"/>
-              <a:t>테이블 메시지 수정</a:t>
+              <a:t>메시지 수정</a:t>
             </a:r>
             <a:r>
               <a:rPr lang="en-US" altLang="ko-KR" sz="1400" b="1" dirty="0"/>
               <a:t>, PRODUCTS </a:t>
-            </a:r>
-            <a:r>
-              <a:rPr lang="ko-KR" altLang="en-US" sz="1400" b="1" dirty="0"/>
-              <a:t>테이블</a:t>
-            </a:r>
-            <a:br>
-              <a:rPr lang="en-US" altLang="ko-KR" sz="1400" b="1" dirty="0"/>
-            </a:br>
-            <a:r>
-              <a:rPr lang="en-US" altLang="ko-KR" sz="1400" b="1" dirty="0"/>
-              <a:t> </a:t>
             </a:r>
             <a:r>
               <a:rPr lang="ko-KR" altLang="en-US" sz="1400" b="1" dirty="0"/>
@@ -12618,6 +12607,10 @@
               <a:rPr lang="en-US" altLang="ko-KR" sz="1400" b="1" dirty="0"/>
             </a:br>
             <a:r>
+              <a:rPr lang="en-US" altLang="ko-KR" sz="1400" b="1" dirty="0"/>
+              <a:t>  </a:t>
+            </a:r>
+            <a:r>
               <a:rPr lang="ko-KR" altLang="en-US" sz="1400" b="1" dirty="0"/>
               <a:t>레코드 자동 생성</a:t>
             </a:r>
@@ -12635,7 +12628,7 @@
             </a:r>
             <a:r>
               <a:rPr lang="ko-KR" altLang="en-US" sz="1400" b="1" dirty="0"/>
-              <a:t>시간 등</a:t>
+              <a:t>시간</a:t>
             </a:r>
             <a:r>
               <a:rPr lang="en-US" altLang="ko-KR" sz="1400" b="1" dirty="0"/>
@@ -12653,49 +12646,18 @@
               <a:rPr lang="ko-KR" altLang="en-US" sz="1400" b="1" dirty="0"/>
               <a:t>삽입</a:t>
             </a:r>
-          </a:p>
-        </p:txBody>
-      </p:sp>
-      <p:sp>
-        <p:nvSpPr>
-          <p:cNvPr id="17" name="TextBox 16"/>
-          <p:cNvSpPr txBox="1"/>
-          <p:nvPr/>
-        </p:nvSpPr>
-        <p:spPr>
-          <a:xfrm>
-            <a:off x="7164288" y="6546830"/>
-            <a:ext cx="1728192" cy="338554"/>
-          </a:xfrm>
-          <a:prstGeom prst="rect">
-            <a:avLst/>
-          </a:prstGeom>
-          <a:noFill/>
-        </p:spPr>
-        <p:txBody>
-          <a:bodyPr wrap="square" rtlCol="0">
-            <a:spAutoFit/>
-          </a:bodyPr>
-          <a:lstStyle/>
-          <a:p>
-            <a:pPr algn="r"/>
-            <a:r>
-              <a:rPr lang="en-US" altLang="ko-KR" sz="1600" dirty="0">
-                <a:solidFill>
-                  <a:schemeClr val="bg1">
-                    <a:lumMod val="75000"/>
-                  </a:schemeClr>
-                </a:solidFill>
-              </a:rPr>
-              <a:t>MINHEEBLOG</a:t>
-            </a:r>
-            <a:endParaRPr lang="ko-KR" altLang="en-US" sz="1600" dirty="0">
-              <a:solidFill>
-                <a:schemeClr val="bg1">
-                  <a:lumMod val="75000"/>
-                </a:schemeClr>
-              </a:solidFill>
-            </a:endParaRPr>
+            <a:br>
+              <a:rPr lang="en-US" altLang="ko-KR" sz="1400" b="1" dirty="0"/>
+            </a:br>
+            <a:r>
+              <a:rPr lang="en-US" altLang="ko-KR" sz="1400" b="1" dirty="0"/>
+              <a:t>- IMPORT_PRODUCT : </a:t>
+            </a:r>
+            <a:r>
+              <a:rPr lang="ko-KR" altLang="en-US" sz="1400" b="1" dirty="0"/>
+              <a:t>상품 입고 프로시저</a:t>
+            </a:r>
+            <a:endParaRPr lang="en-US" altLang="ko-KR" sz="1400" b="1" dirty="0"/>
           </a:p>
         </p:txBody>
       </p:sp>
@@ -12829,10 +12791,10 @@
       </p:sp>
       <p:pic>
         <p:nvPicPr>
-          <p:cNvPr id="6" name="그림 5" descr="텍스트이(가) 표시된 사진&#10;&#10;자동 생성된 설명">
+          <p:cNvPr id="5" name="그림 4" descr="텍스트이(가) 표시된 사진&#10;&#10;자동 생성된 설명">
             <a:extLst>
               <a:ext uri="{FF2B5EF4-FFF2-40B4-BE49-F238E27FC236}">
-                <a16:creationId xmlns:a16="http://schemas.microsoft.com/office/drawing/2014/main" id="{74B18986-F341-46C3-ABDC-BD2DC6D8B97D}"/>
+                <a16:creationId xmlns:a16="http://schemas.microsoft.com/office/drawing/2014/main" id="{E5B18277-6E3D-49A9-B286-7E26FEC07BFB}"/>
               </a:ext>
             </a:extLst>
           </p:cNvPr>
@@ -12855,14 +12817,179 @@
         </p:blipFill>
         <p:spPr>
           <a:xfrm>
-            <a:off x="5004048" y="1956420"/>
-            <a:ext cx="3390900" cy="3416796"/>
+            <a:off x="4985637" y="2132856"/>
+            <a:ext cx="3533316" cy="3192997"/>
           </a:xfrm>
           <a:prstGeom prst="rect">
             <a:avLst/>
           </a:prstGeom>
         </p:spPr>
       </p:pic>
+      <p:sp>
+        <p:nvSpPr>
+          <p:cNvPr id="19" name="TextBox 18">
+            <a:extLst>
+              <a:ext uri="{FF2B5EF4-FFF2-40B4-BE49-F238E27FC236}">
+                <a16:creationId xmlns:a16="http://schemas.microsoft.com/office/drawing/2014/main" id="{B204647E-72F1-462E-85A6-288663B405D6}"/>
+              </a:ext>
+            </a:extLst>
+          </p:cNvPr>
+          <p:cNvSpPr txBox="1"/>
+          <p:nvPr/>
+        </p:nvSpPr>
+        <p:spPr>
+          <a:xfrm>
+            <a:off x="5364088" y="271681"/>
+            <a:ext cx="3600400" cy="276999"/>
+          </a:xfrm>
+          <a:prstGeom prst="rect">
+            <a:avLst/>
+          </a:prstGeom>
+          <a:noFill/>
+        </p:spPr>
+        <p:txBody>
+          <a:bodyPr wrap="square" rtlCol="0">
+            <a:spAutoFit/>
+          </a:bodyPr>
+          <a:lstStyle/>
+          <a:p>
+            <a:pPr algn="dist"/>
+            <a:r>
+              <a:rPr lang="ko-KR" altLang="en-US" sz="1200" dirty="0" err="1">
+                <a:solidFill>
+                  <a:schemeClr val="bg1"/>
+                </a:solidFill>
+              </a:rPr>
+              <a:t>코세아</a:t>
+            </a:r>
+            <a:r>
+              <a:rPr lang="ko-KR" altLang="en-US" sz="1200" dirty="0">
+                <a:solidFill>
+                  <a:schemeClr val="bg1"/>
+                </a:solidFill>
+              </a:rPr>
+              <a:t> 인재 개발원 웹 개발자 과정 </a:t>
+            </a:r>
+            <a:r>
+              <a:rPr lang="en-US" altLang="ko-KR" sz="1200" dirty="0">
+                <a:solidFill>
+                  <a:schemeClr val="bg1"/>
+                </a:solidFill>
+              </a:rPr>
+              <a:t>31</a:t>
+            </a:r>
+            <a:r>
+              <a:rPr lang="ko-KR" altLang="en-US" sz="1200" dirty="0">
+                <a:solidFill>
+                  <a:schemeClr val="bg1"/>
+                </a:solidFill>
+              </a:rPr>
+              <a:t>기</a:t>
+            </a:r>
+          </a:p>
+        </p:txBody>
+      </p:sp>
+      <p:sp>
+        <p:nvSpPr>
+          <p:cNvPr id="20" name="TextBox 19">
+            <a:extLst>
+              <a:ext uri="{FF2B5EF4-FFF2-40B4-BE49-F238E27FC236}">
+                <a16:creationId xmlns:a16="http://schemas.microsoft.com/office/drawing/2014/main" id="{5DC46D4F-1A03-44CB-BF8B-21334E75AC09}"/>
+              </a:ext>
+            </a:extLst>
+          </p:cNvPr>
+          <p:cNvSpPr txBox="1"/>
+          <p:nvPr/>
+        </p:nvSpPr>
+        <p:spPr>
+          <a:xfrm>
+            <a:off x="5724128" y="6577607"/>
+            <a:ext cx="3168352" cy="276999"/>
+          </a:xfrm>
+          <a:prstGeom prst="rect">
+            <a:avLst/>
+          </a:prstGeom>
+          <a:noFill/>
+        </p:spPr>
+        <p:txBody>
+          <a:bodyPr wrap="square" rtlCol="0">
+            <a:spAutoFit/>
+          </a:bodyPr>
+          <a:lstStyle/>
+          <a:p>
+            <a:pPr algn="r"/>
+            <a:r>
+              <a:rPr lang="ko-KR" altLang="en-US" sz="1200" dirty="0">
+                <a:solidFill>
+                  <a:schemeClr val="bg1">
+                    <a:lumMod val="75000"/>
+                  </a:schemeClr>
+                </a:solidFill>
+              </a:rPr>
+              <a:t>쇼핑몰 재고 관리 시스템 </a:t>
+            </a:r>
+            <a:r>
+              <a:rPr lang="en-US" altLang="ko-KR" sz="1200" dirty="0">
+                <a:solidFill>
+                  <a:schemeClr val="bg1">
+                    <a:lumMod val="75000"/>
+                  </a:schemeClr>
+                </a:solidFill>
+              </a:rPr>
+              <a:t>- </a:t>
+            </a:r>
+            <a:r>
+              <a:rPr lang="ko-KR" altLang="en-US" sz="1200" dirty="0">
+                <a:solidFill>
+                  <a:schemeClr val="bg1">
+                    <a:lumMod val="75000"/>
+                  </a:schemeClr>
+                </a:solidFill>
+              </a:rPr>
+              <a:t>김준형</a:t>
+            </a:r>
+          </a:p>
+        </p:txBody>
+      </p:sp>
+      <p:sp>
+        <p:nvSpPr>
+          <p:cNvPr id="21" name="직사각형 20">
+            <a:extLst>
+              <a:ext uri="{FF2B5EF4-FFF2-40B4-BE49-F238E27FC236}">
+                <a16:creationId xmlns:a16="http://schemas.microsoft.com/office/drawing/2014/main" id="{2275B6FD-91AF-49BD-BEF8-1DFCACFEA1C6}"/>
+              </a:ext>
+            </a:extLst>
+          </p:cNvPr>
+          <p:cNvSpPr/>
+          <p:nvPr/>
+        </p:nvSpPr>
+        <p:spPr>
+          <a:xfrm>
+            <a:off x="201838" y="271681"/>
+            <a:ext cx="1332416" cy="276999"/>
+          </a:xfrm>
+          <a:prstGeom prst="rect">
+            <a:avLst/>
+          </a:prstGeom>
+        </p:spPr>
+        <p:txBody>
+          <a:bodyPr wrap="none">
+            <a:spAutoFit/>
+          </a:bodyPr>
+          <a:lstStyle/>
+          <a:p>
+            <a:pPr algn="ctr"/>
+            <a:r>
+              <a:rPr lang="ko-KR" altLang="en-US" sz="1200" b="1" spc="-150" dirty="0">
+                <a:solidFill>
+                  <a:schemeClr val="bg1"/>
+                </a:solidFill>
+              </a:rPr>
+              <a:t>중간 프로젝트 발표</a:t>
+            </a:r>
+          </a:p>
+        </p:txBody>
+      </p:sp>
     </p:spTree>
     <p:extLst>
       <p:ext uri="{BB962C8B-B14F-4D97-AF65-F5344CB8AC3E}">
@@ -13093,18 +13220,15 @@
             </a:r>
             <a:r>
               <a:rPr lang="ko-KR" altLang="en-US" sz="1400" b="1" dirty="0"/>
-              <a:t>사용자가 실행되는 프로그램을 통해 </a:t>
-            </a:r>
-            <a:br>
+              <a:t>사용자는 시스템을 통해</a:t>
+            </a:r>
+            <a:r>
               <a:rPr lang="en-US" altLang="ko-KR" sz="1400" b="1" dirty="0"/>
-            </a:br>
-            <a:r>
-              <a:rPr lang="en-US" altLang="ko-KR" sz="1400" b="1" dirty="0"/>
-              <a:t>  DB</a:t>
+              <a:t> DB</a:t>
             </a:r>
             <a:r>
               <a:rPr lang="ko-KR" altLang="en-US" sz="1400" b="1" dirty="0"/>
-              <a:t> 트랜잭션에 필요한 데이터 입력</a:t>
+              <a:t> 트랜잭션에 </a:t>
             </a:r>
             <a:endParaRPr lang="en-US" altLang="ko-KR" sz="1400" b="1" dirty="0"/>
           </a:p>
@@ -13115,39 +13239,8 @@
               </a:lnSpc>
             </a:pPr>
             <a:r>
-              <a:rPr lang="en-US" altLang="ko-KR" sz="1400" b="1" dirty="0"/>
-              <a:t>- </a:t>
-            </a:r>
-            <a:r>
               <a:rPr lang="ko-KR" altLang="en-US" sz="1400" b="1" dirty="0"/>
-              <a:t>프로그램은 </a:t>
-            </a:r>
-            <a:r>
-              <a:rPr lang="ko-KR" altLang="en-US" sz="1400" b="1" dirty="0" err="1"/>
-              <a:t>입력받은</a:t>
-            </a:r>
-            <a:r>
-              <a:rPr lang="ko-KR" altLang="en-US" sz="1400" b="1" dirty="0"/>
-              <a:t> 데이터로 쿼리 </a:t>
-            </a:r>
-            <a:br>
-              <a:rPr lang="en-US" altLang="ko-KR" sz="1400" b="1" dirty="0"/>
-            </a:br>
-            <a:r>
-              <a:rPr lang="en-US" altLang="ko-KR" sz="1400" b="1" dirty="0"/>
-              <a:t>  </a:t>
-            </a:r>
-            <a:r>
-              <a:rPr lang="ko-KR" altLang="en-US" sz="1400" b="1" dirty="0"/>
-              <a:t>작성하여 </a:t>
-            </a:r>
-            <a:r>
-              <a:rPr lang="en-US" altLang="ko-KR" sz="1400" b="1" dirty="0"/>
-              <a:t>DB</a:t>
-            </a:r>
-            <a:r>
-              <a:rPr lang="ko-KR" altLang="en-US" sz="1400" b="1" dirty="0"/>
-              <a:t>로 전송 </a:t>
+              <a:t>  필요한 데이터 입력</a:t>
             </a:r>
             <a:endParaRPr lang="en-US" altLang="ko-KR" sz="1400" b="1" dirty="0"/>
           </a:p>
@@ -13159,11 +13252,23 @@
             </a:pPr>
             <a:r>
               <a:rPr lang="en-US" altLang="ko-KR" sz="1400" b="1" dirty="0"/>
-              <a:t>- DBMS</a:t>
+              <a:t>- </a:t>
             </a:r>
             <a:r>
               <a:rPr lang="ko-KR" altLang="en-US" sz="1400" b="1" dirty="0"/>
-              <a:t>가 전송 받은 쿼리문을 실행하여 </a:t>
+              <a:t>프로그램은 </a:t>
+            </a:r>
+            <a:r>
+              <a:rPr lang="ko-KR" altLang="en-US" sz="1400" b="1" dirty="0" err="1"/>
+              <a:t>입력받은</a:t>
+            </a:r>
+            <a:r>
+              <a:rPr lang="ko-KR" altLang="en-US" sz="1400" b="1" dirty="0"/>
+              <a:t> 데이터로 </a:t>
+            </a:r>
+            <a:r>
+              <a:rPr lang="ko-KR" altLang="en-US" sz="1400" b="1" dirty="0" err="1"/>
+              <a:t>쿼리문</a:t>
             </a:r>
             <a:br>
               <a:rPr lang="en-US" altLang="ko-KR" sz="1400" b="1" dirty="0"/>
@@ -13174,7 +13279,42 @@
             </a:r>
             <a:r>
               <a:rPr lang="ko-KR" altLang="en-US" sz="1400" b="1" dirty="0"/>
-              <a:t>레코드 조작</a:t>
+              <a:t>작성하여 </a:t>
+            </a:r>
+            <a:r>
+              <a:rPr lang="en-US" altLang="ko-KR" sz="1400" b="1" dirty="0"/>
+              <a:t>DB</a:t>
+            </a:r>
+            <a:r>
+              <a:rPr lang="ko-KR" altLang="en-US" sz="1400" b="1" dirty="0"/>
+              <a:t>로 전송 </a:t>
+            </a:r>
+            <a:endParaRPr lang="en-US" altLang="ko-KR" sz="1400" b="1" dirty="0"/>
+          </a:p>
+          <a:p>
+            <a:pPr fontAlgn="base">
+              <a:lnSpc>
+                <a:spcPct val="200000"/>
+              </a:lnSpc>
+            </a:pPr>
+            <a:r>
+              <a:rPr lang="en-US" altLang="ko-KR" sz="1400" b="1" dirty="0"/>
+              <a:t>- DBMS</a:t>
+            </a:r>
+            <a:r>
+              <a:rPr lang="ko-KR" altLang="en-US" sz="1400" b="1" dirty="0"/>
+              <a:t>가 전송 받은 쿼리문을 실행하여 </a:t>
+            </a:r>
+            <a:br>
+              <a:rPr lang="en-US" altLang="ko-KR" sz="1400" b="1" dirty="0"/>
+            </a:br>
+            <a:r>
+              <a:rPr lang="en-US" altLang="ko-KR" sz="1400" b="1" dirty="0"/>
+              <a:t>  </a:t>
+            </a:r>
+            <a:r>
+              <a:rPr lang="ko-KR" altLang="en-US" sz="1400" b="1" dirty="0"/>
+              <a:t>데이터 조작</a:t>
             </a:r>
             <a:endParaRPr lang="en-US" altLang="ko-KR" sz="1400" b="1" dirty="0"/>
           </a:p>
@@ -13203,16 +13343,6 @@
           <a:lstStyle/>
           <a:p>
             <a:pPr algn="r"/>
-            <a:r>
-              <a:rPr lang="en-US" altLang="ko-KR" sz="1600" dirty="0">
-                <a:solidFill>
-                  <a:schemeClr val="bg1">
-                    <a:lumMod val="75000"/>
-                  </a:schemeClr>
-                </a:solidFill>
-              </a:rPr>
-              <a:t>MINHEEBLOG</a:t>
-            </a:r>
             <a:endParaRPr lang="ko-KR" altLang="en-US" sz="1600" dirty="0">
               <a:solidFill>
                 <a:schemeClr val="bg1">
@@ -13349,10 +13479,10 @@
       </p:sp>
       <p:pic>
         <p:nvPicPr>
-          <p:cNvPr id="5" name="그림 4" descr="텍스트, 지도이(가) 표시된 사진&#10;&#10;자동 생성된 설명">
+          <p:cNvPr id="90" name="그림 89" descr="텍스트, 지도이(가) 표시된 사진&#10;&#10;자동 생성된 설명">
             <a:extLst>
               <a:ext uri="{FF2B5EF4-FFF2-40B4-BE49-F238E27FC236}">
-                <a16:creationId xmlns:a16="http://schemas.microsoft.com/office/drawing/2014/main" id="{D701DF97-AC24-4C2F-ABEE-7C3BBADBCBEE}"/>
+                <a16:creationId xmlns:a16="http://schemas.microsoft.com/office/drawing/2014/main" id="{B72FB76E-134B-403D-8518-4083CE33E98F}"/>
               </a:ext>
             </a:extLst>
           </p:cNvPr>
@@ -13375,14 +13505,179 @@
         </p:blipFill>
         <p:spPr>
           <a:xfrm>
-            <a:off x="4535996" y="2314575"/>
-            <a:ext cx="3762375" cy="2228850"/>
+            <a:off x="4214961" y="1606153"/>
+            <a:ext cx="4376067" cy="3724771"/>
           </a:xfrm>
           <a:prstGeom prst="rect">
             <a:avLst/>
           </a:prstGeom>
         </p:spPr>
       </p:pic>
+      <p:sp>
+        <p:nvSpPr>
+          <p:cNvPr id="91" name="TextBox 90">
+            <a:extLst>
+              <a:ext uri="{FF2B5EF4-FFF2-40B4-BE49-F238E27FC236}">
+                <a16:creationId xmlns:a16="http://schemas.microsoft.com/office/drawing/2014/main" id="{00FFA18E-E1CA-4296-BB1D-08473B82FE63}"/>
+              </a:ext>
+            </a:extLst>
+          </p:cNvPr>
+          <p:cNvSpPr txBox="1"/>
+          <p:nvPr/>
+        </p:nvSpPr>
+        <p:spPr>
+          <a:xfrm>
+            <a:off x="5364088" y="271681"/>
+            <a:ext cx="3600400" cy="276999"/>
+          </a:xfrm>
+          <a:prstGeom prst="rect">
+            <a:avLst/>
+          </a:prstGeom>
+          <a:noFill/>
+        </p:spPr>
+        <p:txBody>
+          <a:bodyPr wrap="square" rtlCol="0">
+            <a:spAutoFit/>
+          </a:bodyPr>
+          <a:lstStyle/>
+          <a:p>
+            <a:pPr algn="dist"/>
+            <a:r>
+              <a:rPr lang="ko-KR" altLang="en-US" sz="1200" dirty="0" err="1">
+                <a:solidFill>
+                  <a:schemeClr val="bg1"/>
+                </a:solidFill>
+              </a:rPr>
+              <a:t>코세아</a:t>
+            </a:r>
+            <a:r>
+              <a:rPr lang="ko-KR" altLang="en-US" sz="1200" dirty="0">
+                <a:solidFill>
+                  <a:schemeClr val="bg1"/>
+                </a:solidFill>
+              </a:rPr>
+              <a:t> 인재 개발원 웹 개발자 과정 </a:t>
+            </a:r>
+            <a:r>
+              <a:rPr lang="en-US" altLang="ko-KR" sz="1200" dirty="0">
+                <a:solidFill>
+                  <a:schemeClr val="bg1"/>
+                </a:solidFill>
+              </a:rPr>
+              <a:t>31</a:t>
+            </a:r>
+            <a:r>
+              <a:rPr lang="ko-KR" altLang="en-US" sz="1200" dirty="0">
+                <a:solidFill>
+                  <a:schemeClr val="bg1"/>
+                </a:solidFill>
+              </a:rPr>
+              <a:t>기</a:t>
+            </a:r>
+          </a:p>
+        </p:txBody>
+      </p:sp>
+      <p:sp>
+        <p:nvSpPr>
+          <p:cNvPr id="92" name="TextBox 91">
+            <a:extLst>
+              <a:ext uri="{FF2B5EF4-FFF2-40B4-BE49-F238E27FC236}">
+                <a16:creationId xmlns:a16="http://schemas.microsoft.com/office/drawing/2014/main" id="{2F4F196B-BB10-42F4-BD0F-075E323AB290}"/>
+              </a:ext>
+            </a:extLst>
+          </p:cNvPr>
+          <p:cNvSpPr txBox="1"/>
+          <p:nvPr/>
+        </p:nvSpPr>
+        <p:spPr>
+          <a:xfrm>
+            <a:off x="5724128" y="6577607"/>
+            <a:ext cx="3168352" cy="276999"/>
+          </a:xfrm>
+          <a:prstGeom prst="rect">
+            <a:avLst/>
+          </a:prstGeom>
+          <a:noFill/>
+        </p:spPr>
+        <p:txBody>
+          <a:bodyPr wrap="square" rtlCol="0">
+            <a:spAutoFit/>
+          </a:bodyPr>
+          <a:lstStyle/>
+          <a:p>
+            <a:pPr algn="r"/>
+            <a:r>
+              <a:rPr lang="ko-KR" altLang="en-US" sz="1200" dirty="0">
+                <a:solidFill>
+                  <a:schemeClr val="bg1">
+                    <a:lumMod val="75000"/>
+                  </a:schemeClr>
+                </a:solidFill>
+              </a:rPr>
+              <a:t>쇼핑몰 재고 관리 시스템 </a:t>
+            </a:r>
+            <a:r>
+              <a:rPr lang="en-US" altLang="ko-KR" sz="1200" dirty="0">
+                <a:solidFill>
+                  <a:schemeClr val="bg1">
+                    <a:lumMod val="75000"/>
+                  </a:schemeClr>
+                </a:solidFill>
+              </a:rPr>
+              <a:t>- </a:t>
+            </a:r>
+            <a:r>
+              <a:rPr lang="ko-KR" altLang="en-US" sz="1200" dirty="0">
+                <a:solidFill>
+                  <a:schemeClr val="bg1">
+                    <a:lumMod val="75000"/>
+                  </a:schemeClr>
+                </a:solidFill>
+              </a:rPr>
+              <a:t>김준형</a:t>
+            </a:r>
+          </a:p>
+        </p:txBody>
+      </p:sp>
+      <p:sp>
+        <p:nvSpPr>
+          <p:cNvPr id="93" name="직사각형 92">
+            <a:extLst>
+              <a:ext uri="{FF2B5EF4-FFF2-40B4-BE49-F238E27FC236}">
+                <a16:creationId xmlns:a16="http://schemas.microsoft.com/office/drawing/2014/main" id="{514B24C7-D63C-432C-BCA1-409357CC025C}"/>
+              </a:ext>
+            </a:extLst>
+          </p:cNvPr>
+          <p:cNvSpPr/>
+          <p:nvPr/>
+        </p:nvSpPr>
+        <p:spPr>
+          <a:xfrm>
+            <a:off x="201838" y="271681"/>
+            <a:ext cx="1332416" cy="276999"/>
+          </a:xfrm>
+          <a:prstGeom prst="rect">
+            <a:avLst/>
+          </a:prstGeom>
+        </p:spPr>
+        <p:txBody>
+          <a:bodyPr wrap="none">
+            <a:spAutoFit/>
+          </a:bodyPr>
+          <a:lstStyle/>
+          <a:p>
+            <a:pPr algn="ctr"/>
+            <a:r>
+              <a:rPr lang="ko-KR" altLang="en-US" sz="1200" b="1" spc="-150" dirty="0">
+                <a:solidFill>
+                  <a:schemeClr val="bg1"/>
+                </a:solidFill>
+              </a:rPr>
+              <a:t>중간 프로젝트 발표</a:t>
+            </a:r>
+          </a:p>
+        </p:txBody>
+      </p:sp>
     </p:spTree>
     <p:extLst>
       <p:ext uri="{BB962C8B-B14F-4D97-AF65-F5344CB8AC3E}">
@@ -13839,49 +14134,6 @@
           </a:p>
         </p:txBody>
       </p:sp>
-      <p:sp>
-        <p:nvSpPr>
-          <p:cNvPr id="17" name="TextBox 16"/>
-          <p:cNvSpPr txBox="1"/>
-          <p:nvPr/>
-        </p:nvSpPr>
-        <p:spPr>
-          <a:xfrm>
-            <a:off x="7164288" y="6546830"/>
-            <a:ext cx="1728192" cy="338554"/>
-          </a:xfrm>
-          <a:prstGeom prst="rect">
-            <a:avLst/>
-          </a:prstGeom>
-          <a:noFill/>
-        </p:spPr>
-        <p:txBody>
-          <a:bodyPr wrap="square" rtlCol="0">
-            <a:spAutoFit/>
-          </a:bodyPr>
-          <a:lstStyle/>
-          <a:p>
-            <a:pPr algn="r"/>
-            <a:r>
-              <a:rPr lang="en-US" altLang="ko-KR" sz="1600" dirty="0">
-                <a:solidFill>
-                  <a:schemeClr val="bg1">
-                    <a:lumMod val="75000"/>
-                  </a:schemeClr>
-                </a:solidFill>
-              </a:rPr>
-              <a:t>MINHEEBLOG</a:t>
-            </a:r>
-            <a:endParaRPr lang="ko-KR" altLang="en-US" sz="1600" dirty="0">
-              <a:solidFill>
-                <a:schemeClr val="bg1">
-                  <a:lumMod val="75000"/>
-                </a:schemeClr>
-              </a:solidFill>
-            </a:endParaRPr>
-          </a:p>
-        </p:txBody>
-      </p:sp>
       <p:pic>
         <p:nvPicPr>
           <p:cNvPr id="5" name="그림 4" descr="스크린샷이(가) 표시된 사진&#10;&#10;자동 생성된 설명">
@@ -13918,6 +14170,171 @@
           </a:prstGeom>
         </p:spPr>
       </p:pic>
+      <p:sp>
+        <p:nvSpPr>
+          <p:cNvPr id="16" name="TextBox 15">
+            <a:extLst>
+              <a:ext uri="{FF2B5EF4-FFF2-40B4-BE49-F238E27FC236}">
+                <a16:creationId xmlns:a16="http://schemas.microsoft.com/office/drawing/2014/main" id="{32312089-47F6-4084-97E4-04EBBE2A0491}"/>
+              </a:ext>
+            </a:extLst>
+          </p:cNvPr>
+          <p:cNvSpPr txBox="1"/>
+          <p:nvPr/>
+        </p:nvSpPr>
+        <p:spPr>
+          <a:xfrm>
+            <a:off x="5364088" y="271681"/>
+            <a:ext cx="3600400" cy="276999"/>
+          </a:xfrm>
+          <a:prstGeom prst="rect">
+            <a:avLst/>
+          </a:prstGeom>
+          <a:noFill/>
+        </p:spPr>
+        <p:txBody>
+          <a:bodyPr wrap="square" rtlCol="0">
+            <a:spAutoFit/>
+          </a:bodyPr>
+          <a:lstStyle/>
+          <a:p>
+            <a:pPr algn="dist"/>
+            <a:r>
+              <a:rPr lang="ko-KR" altLang="en-US" sz="1200" dirty="0" err="1">
+                <a:solidFill>
+                  <a:schemeClr val="bg1"/>
+                </a:solidFill>
+              </a:rPr>
+              <a:t>코세아</a:t>
+            </a:r>
+            <a:r>
+              <a:rPr lang="ko-KR" altLang="en-US" sz="1200" dirty="0">
+                <a:solidFill>
+                  <a:schemeClr val="bg1"/>
+                </a:solidFill>
+              </a:rPr>
+              <a:t> 인재 개발원 웹 개발자 과정 </a:t>
+            </a:r>
+            <a:r>
+              <a:rPr lang="en-US" altLang="ko-KR" sz="1200" dirty="0">
+                <a:solidFill>
+                  <a:schemeClr val="bg1"/>
+                </a:solidFill>
+              </a:rPr>
+              <a:t>31</a:t>
+            </a:r>
+            <a:r>
+              <a:rPr lang="ko-KR" altLang="en-US" sz="1200" dirty="0">
+                <a:solidFill>
+                  <a:schemeClr val="bg1"/>
+                </a:solidFill>
+              </a:rPr>
+              <a:t>기</a:t>
+            </a:r>
+          </a:p>
+        </p:txBody>
+      </p:sp>
+      <p:sp>
+        <p:nvSpPr>
+          <p:cNvPr id="18" name="TextBox 17">
+            <a:extLst>
+              <a:ext uri="{FF2B5EF4-FFF2-40B4-BE49-F238E27FC236}">
+                <a16:creationId xmlns:a16="http://schemas.microsoft.com/office/drawing/2014/main" id="{4F47B9EE-EA36-4E22-8393-693784FCFCCF}"/>
+              </a:ext>
+            </a:extLst>
+          </p:cNvPr>
+          <p:cNvSpPr txBox="1"/>
+          <p:nvPr/>
+        </p:nvSpPr>
+        <p:spPr>
+          <a:xfrm>
+            <a:off x="5724128" y="6577607"/>
+            <a:ext cx="3168352" cy="276999"/>
+          </a:xfrm>
+          <a:prstGeom prst="rect">
+            <a:avLst/>
+          </a:prstGeom>
+          <a:noFill/>
+        </p:spPr>
+        <p:txBody>
+          <a:bodyPr wrap="square" rtlCol="0">
+            <a:spAutoFit/>
+          </a:bodyPr>
+          <a:lstStyle/>
+          <a:p>
+            <a:pPr algn="r"/>
+            <a:r>
+              <a:rPr lang="ko-KR" altLang="en-US" sz="1200" dirty="0">
+                <a:solidFill>
+                  <a:schemeClr val="bg1">
+                    <a:lumMod val="75000"/>
+                  </a:schemeClr>
+                </a:solidFill>
+              </a:rPr>
+              <a:t>쇼핑몰 재고 관리 시스템 </a:t>
+            </a:r>
+            <a:r>
+              <a:rPr lang="en-US" altLang="ko-KR" sz="1200" dirty="0">
+                <a:solidFill>
+                  <a:schemeClr val="bg1">
+                    <a:lumMod val="75000"/>
+                  </a:schemeClr>
+                </a:solidFill>
+              </a:rPr>
+              <a:t>- </a:t>
+            </a:r>
+            <a:r>
+              <a:rPr lang="ko-KR" altLang="en-US" sz="1200" dirty="0">
+                <a:solidFill>
+                  <a:schemeClr val="bg1">
+                    <a:lumMod val="75000"/>
+                  </a:schemeClr>
+                </a:solidFill>
+              </a:rPr>
+              <a:t>김준형</a:t>
+            </a:r>
+          </a:p>
+        </p:txBody>
+      </p:sp>
+      <p:sp>
+        <p:nvSpPr>
+          <p:cNvPr id="19" name="직사각형 18">
+            <a:extLst>
+              <a:ext uri="{FF2B5EF4-FFF2-40B4-BE49-F238E27FC236}">
+                <a16:creationId xmlns:a16="http://schemas.microsoft.com/office/drawing/2014/main" id="{9163B98D-6369-42D8-8C73-CDCCE11F5A23}"/>
+              </a:ext>
+            </a:extLst>
+          </p:cNvPr>
+          <p:cNvSpPr/>
+          <p:nvPr/>
+        </p:nvSpPr>
+        <p:spPr>
+          <a:xfrm>
+            <a:off x="201838" y="271681"/>
+            <a:ext cx="1332416" cy="276999"/>
+          </a:xfrm>
+          <a:prstGeom prst="rect">
+            <a:avLst/>
+          </a:prstGeom>
+        </p:spPr>
+        <p:txBody>
+          <a:bodyPr wrap="none">
+            <a:spAutoFit/>
+          </a:bodyPr>
+          <a:lstStyle/>
+          <a:p>
+            <a:pPr algn="ctr"/>
+            <a:r>
+              <a:rPr lang="ko-KR" altLang="en-US" sz="1200" b="1" spc="-150" dirty="0">
+                <a:solidFill>
+                  <a:schemeClr val="bg1"/>
+                </a:solidFill>
+              </a:rPr>
+              <a:t>중간 프로젝트 발표</a:t>
+            </a:r>
+          </a:p>
+        </p:txBody>
+      </p:sp>
     </p:spTree>
   </p:cSld>
   <p:clrMapOvr>
@@ -14054,14 +14471,6 @@
           <a:lstStyle/>
           <a:p>
             <a:pPr algn="ctr"/>
-            <a:r>
-              <a:rPr lang="ko-KR" altLang="en-US" sz="4800" b="1" dirty="0" err="1">
-                <a:solidFill>
-                  <a:schemeClr val="tx1"/>
-                </a:solidFill>
-              </a:rPr>
-              <a:t>ㅏ</a:t>
-            </a:r>
             <a:endParaRPr lang="ko-KR" altLang="en-US" sz="4800" b="1" dirty="0">
               <a:solidFill>
                 <a:schemeClr val="tx1"/>
@@ -14070,310 +14479,12 @@
           </a:p>
         </p:txBody>
       </p:sp>
-      <p:sp>
-        <p:nvSpPr>
-          <p:cNvPr id="3" name="타원 2"/>
-          <p:cNvSpPr/>
-          <p:nvPr/>
-        </p:nvSpPr>
-        <p:spPr>
-          <a:xfrm>
-            <a:off x="4067944" y="74100"/>
-            <a:ext cx="936104" cy="936104"/>
-          </a:xfrm>
-          <a:prstGeom prst="ellipse">
-            <a:avLst/>
-          </a:prstGeom>
-          <a:solidFill>
-            <a:schemeClr val="tx2">
-              <a:lumMod val="75000"/>
-            </a:schemeClr>
-          </a:solidFill>
-          <a:ln>
-            <a:noFill/>
-          </a:ln>
-        </p:spPr>
-        <p:style>
-          <a:lnRef idx="2">
-            <a:schemeClr val="accent1">
-              <a:shade val="50000"/>
-            </a:schemeClr>
-          </a:lnRef>
-          <a:fillRef idx="1">
-            <a:schemeClr val="accent1"/>
-          </a:fillRef>
-          <a:effectRef idx="0">
-            <a:schemeClr val="accent1"/>
-          </a:effectRef>
-          <a:fontRef idx="minor">
-            <a:schemeClr val="lt1"/>
-          </a:fontRef>
-        </p:style>
-        <p:txBody>
-          <a:bodyPr rtlCol="0" anchor="ctr"/>
-          <a:lstStyle/>
-          <a:p>
-            <a:pPr algn="ctr"/>
-            <a:endParaRPr lang="ko-KR" altLang="en-US"/>
-          </a:p>
-        </p:txBody>
-      </p:sp>
-      <p:sp>
-        <p:nvSpPr>
-          <p:cNvPr id="9" name="TextBox 8"/>
-          <p:cNvSpPr txBox="1"/>
-          <p:nvPr/>
-        </p:nvSpPr>
-        <p:spPr>
-          <a:xfrm>
-            <a:off x="3995936" y="479095"/>
-            <a:ext cx="1080120" cy="461665"/>
-          </a:xfrm>
-          <a:prstGeom prst="rect">
-            <a:avLst/>
-          </a:prstGeom>
-          <a:noFill/>
-        </p:spPr>
-        <p:txBody>
-          <a:bodyPr wrap="square" rtlCol="0">
-            <a:spAutoFit/>
-          </a:bodyPr>
-          <a:lstStyle/>
-          <a:p>
-            <a:pPr algn="ctr"/>
-            <a:r>
-              <a:rPr lang="en-US" altLang="ko-KR" sz="2400" dirty="0">
-                <a:solidFill>
-                  <a:schemeClr val="bg1"/>
-                </a:solidFill>
-                <a:latin typeface="HY헤드라인M" pitchFamily="18" charset="-127"/>
-                <a:ea typeface="HY헤드라인M" pitchFamily="18" charset="-127"/>
-              </a:rPr>
-              <a:t>03</a:t>
-            </a:r>
-            <a:endParaRPr lang="ko-KR" altLang="en-US" sz="2400" dirty="0">
-              <a:solidFill>
-                <a:schemeClr val="bg1"/>
-              </a:solidFill>
-              <a:latin typeface="HY헤드라인M" pitchFamily="18" charset="-127"/>
-              <a:ea typeface="HY헤드라인M" pitchFamily="18" charset="-127"/>
-            </a:endParaRPr>
-          </a:p>
-        </p:txBody>
-      </p:sp>
-      <p:sp>
-        <p:nvSpPr>
-          <p:cNvPr id="12" name="TextBox 11"/>
-          <p:cNvSpPr txBox="1"/>
-          <p:nvPr/>
-        </p:nvSpPr>
-        <p:spPr>
-          <a:xfrm>
-            <a:off x="539552" y="1124744"/>
-            <a:ext cx="2520280" cy="369332"/>
-          </a:xfrm>
-          <a:prstGeom prst="rect">
-            <a:avLst/>
-          </a:prstGeom>
-          <a:noFill/>
-        </p:spPr>
-        <p:txBody>
-          <a:bodyPr wrap="square" rtlCol="0">
-            <a:spAutoFit/>
-          </a:bodyPr>
-          <a:lstStyle/>
-          <a:p>
-            <a:r>
-              <a:rPr lang="en-US" altLang="ko-KR" b="1" spc="-150" dirty="0"/>
-              <a:t>2)  </a:t>
-            </a:r>
-            <a:r>
-              <a:rPr lang="en-US" altLang="ko-KR" b="1" spc="-150" dirty="0" err="1"/>
-              <a:t>TableFrame</a:t>
-            </a:r>
-            <a:r>
-              <a:rPr lang="en-US" altLang="ko-KR" b="1" spc="-150" dirty="0"/>
-              <a:t> </a:t>
-            </a:r>
-            <a:r>
-              <a:rPr lang="ko-KR" altLang="en-US" b="1" spc="-150" dirty="0"/>
-              <a:t>클래스</a:t>
-            </a:r>
-          </a:p>
-        </p:txBody>
-      </p:sp>
-      <p:sp>
-        <p:nvSpPr>
-          <p:cNvPr id="37" name="TextBox 36"/>
-          <p:cNvSpPr txBox="1"/>
-          <p:nvPr/>
-        </p:nvSpPr>
-        <p:spPr>
-          <a:xfrm>
-            <a:off x="531962" y="2330895"/>
-            <a:ext cx="3391966" cy="2178225"/>
-          </a:xfrm>
-          <a:prstGeom prst="rect">
-            <a:avLst/>
-          </a:prstGeom>
-          <a:noFill/>
-        </p:spPr>
-        <p:txBody>
-          <a:bodyPr wrap="square" rtlCol="0">
-            <a:spAutoFit/>
-          </a:bodyPr>
-          <a:lstStyle/>
-          <a:p>
-            <a:pPr fontAlgn="base">
-              <a:lnSpc>
-                <a:spcPct val="200000"/>
-              </a:lnSpc>
-            </a:pPr>
-            <a:r>
-              <a:rPr lang="en-US" altLang="ko-KR" sz="1400" b="1" dirty="0"/>
-              <a:t>- DB </a:t>
-            </a:r>
-            <a:r>
-              <a:rPr lang="ko-KR" altLang="en-US" sz="1400" b="1" dirty="0"/>
-              <a:t>쿼리 전송에 필요한 데이터를</a:t>
-            </a:r>
-            <a:endParaRPr lang="en-US" altLang="ko-KR" sz="1400" b="1" dirty="0"/>
-          </a:p>
-          <a:p>
-            <a:pPr fontAlgn="base">
-              <a:lnSpc>
-                <a:spcPct val="200000"/>
-              </a:lnSpc>
-            </a:pPr>
-            <a:r>
-              <a:rPr lang="ko-KR" altLang="en-US" sz="1400" b="1" dirty="0"/>
-              <a:t>  </a:t>
-            </a:r>
-            <a:r>
-              <a:rPr lang="ko-KR" altLang="en-US" sz="1400" b="1" dirty="0" err="1"/>
-              <a:t>입력받아</a:t>
-            </a:r>
-            <a:r>
-              <a:rPr lang="ko-KR" altLang="en-US" sz="1400" b="1" dirty="0"/>
-              <a:t> </a:t>
-            </a:r>
-            <a:r>
-              <a:rPr lang="en-US" altLang="ko-KR" sz="1400" b="1" dirty="0"/>
-              <a:t>DAO </a:t>
-            </a:r>
-            <a:r>
-              <a:rPr lang="ko-KR" altLang="en-US" sz="1400" b="1" dirty="0"/>
-              <a:t>클래스 호출</a:t>
-            </a:r>
-            <a:endParaRPr lang="en-US" altLang="ko-KR" sz="1400" b="1" dirty="0"/>
-          </a:p>
-          <a:p>
-            <a:pPr fontAlgn="base">
-              <a:lnSpc>
-                <a:spcPct val="200000"/>
-              </a:lnSpc>
-            </a:pPr>
-            <a:r>
-              <a:rPr lang="en-US" altLang="ko-KR" sz="1400" b="1" dirty="0"/>
-              <a:t>- </a:t>
-            </a:r>
-            <a:r>
-              <a:rPr lang="ko-KR" altLang="en-US" sz="1400" b="1" dirty="0"/>
-              <a:t>상품</a:t>
-            </a:r>
-            <a:r>
-              <a:rPr lang="en-US" altLang="ko-KR" sz="1400" b="1" dirty="0"/>
-              <a:t>/</a:t>
-            </a:r>
-            <a:r>
-              <a:rPr lang="ko-KR" altLang="en-US" sz="1400" b="1" dirty="0"/>
-              <a:t>고객 정보 테이블 접근</a:t>
-            </a:r>
-            <a:endParaRPr lang="en-US" altLang="ko-KR" sz="1400" b="1" dirty="0"/>
-          </a:p>
-          <a:p>
-            <a:pPr fontAlgn="base">
-              <a:lnSpc>
-                <a:spcPct val="200000"/>
-              </a:lnSpc>
-            </a:pPr>
-            <a:r>
-              <a:rPr lang="en-US" altLang="ko-KR" sz="1400" b="1" dirty="0"/>
-              <a:t>- UI </a:t>
-            </a:r>
-            <a:r>
-              <a:rPr lang="ko-KR" altLang="en-US" sz="1400" b="1" dirty="0"/>
-              <a:t>프레임 정의</a:t>
-            </a:r>
-            <a:endParaRPr lang="en-US" altLang="ko-KR" sz="1400" b="1" dirty="0"/>
-          </a:p>
-          <a:p>
-            <a:pPr fontAlgn="base">
-              <a:lnSpc>
-                <a:spcPct val="200000"/>
-              </a:lnSpc>
-            </a:pPr>
-            <a:r>
-              <a:rPr lang="en-US" altLang="ko-KR" sz="1400" b="1" dirty="0"/>
-              <a:t>- CRUD </a:t>
-            </a:r>
-            <a:r>
-              <a:rPr lang="ko-KR" altLang="en-US" sz="1400" b="1" dirty="0"/>
-              <a:t>기능 구현</a:t>
-            </a:r>
-            <a:endParaRPr lang="en-US" altLang="ko-KR" sz="1400" b="1" dirty="0"/>
-          </a:p>
-        </p:txBody>
-      </p:sp>
-      <p:sp>
-        <p:nvSpPr>
-          <p:cNvPr id="17" name="TextBox 16"/>
-          <p:cNvSpPr txBox="1"/>
-          <p:nvPr/>
-        </p:nvSpPr>
-        <p:spPr>
-          <a:xfrm>
-            <a:off x="7164288" y="6546830"/>
-            <a:ext cx="1728192" cy="338554"/>
-          </a:xfrm>
-          <a:prstGeom prst="rect">
-            <a:avLst/>
-          </a:prstGeom>
-          <a:noFill/>
-        </p:spPr>
-        <p:txBody>
-          <a:bodyPr wrap="square" rtlCol="0">
-            <a:spAutoFit/>
-          </a:bodyPr>
-          <a:lstStyle/>
-          <a:p>
-            <a:pPr algn="r"/>
-            <a:r>
-              <a:rPr lang="en-US" altLang="ko-KR" sz="1600" dirty="0">
-                <a:solidFill>
-                  <a:schemeClr val="bg1">
-                    <a:lumMod val="75000"/>
-                  </a:schemeClr>
-                </a:solidFill>
-              </a:rPr>
-              <a:t>MINHEEBLOG</a:t>
-            </a:r>
-            <a:endParaRPr lang="ko-KR" altLang="en-US" sz="1600" dirty="0">
-              <a:solidFill>
-                <a:schemeClr val="bg1">
-                  <a:lumMod val="75000"/>
-                </a:schemeClr>
-              </a:solidFill>
-            </a:endParaRPr>
-          </a:p>
-        </p:txBody>
-      </p:sp>
       <p:pic>
         <p:nvPicPr>
-          <p:cNvPr id="6" name="그림 5" descr="텍스트이(가) 표시된 사진&#10;&#10;자동 생성된 설명">
+          <p:cNvPr id="5" name="그림 4" descr="텍스트이(가) 표시된 사진&#10;&#10;자동 생성된 설명">
             <a:extLst>
               <a:ext uri="{FF2B5EF4-FFF2-40B4-BE49-F238E27FC236}">
-                <a16:creationId xmlns:a16="http://schemas.microsoft.com/office/drawing/2014/main" id="{2EA4F4CF-61FB-4832-B021-22A48C48CBF4}"/>
+                <a16:creationId xmlns:a16="http://schemas.microsoft.com/office/drawing/2014/main" id="{31C4A252-7928-4EDB-8B26-280E1D77F5F3}"/>
               </a:ext>
             </a:extLst>
           </p:cNvPr>
@@ -14396,14 +14507,269 @@
         </p:blipFill>
         <p:spPr>
           <a:xfrm>
-            <a:off x="3707904" y="1408031"/>
-            <a:ext cx="4733850" cy="4401978"/>
+            <a:off x="3466060" y="1107504"/>
+            <a:ext cx="5145978" cy="4985792"/>
           </a:xfrm>
           <a:prstGeom prst="rect">
             <a:avLst/>
           </a:prstGeom>
         </p:spPr>
       </p:pic>
+      <p:sp>
+        <p:nvSpPr>
+          <p:cNvPr id="3" name="타원 2"/>
+          <p:cNvSpPr/>
+          <p:nvPr/>
+        </p:nvSpPr>
+        <p:spPr>
+          <a:xfrm>
+            <a:off x="4067944" y="74100"/>
+            <a:ext cx="936104" cy="936104"/>
+          </a:xfrm>
+          <a:prstGeom prst="ellipse">
+            <a:avLst/>
+          </a:prstGeom>
+          <a:solidFill>
+            <a:schemeClr val="tx2">
+              <a:lumMod val="75000"/>
+            </a:schemeClr>
+          </a:solidFill>
+          <a:ln>
+            <a:noFill/>
+          </a:ln>
+        </p:spPr>
+        <p:style>
+          <a:lnRef idx="2">
+            <a:schemeClr val="accent1">
+              <a:shade val="50000"/>
+            </a:schemeClr>
+          </a:lnRef>
+          <a:fillRef idx="1">
+            <a:schemeClr val="accent1"/>
+          </a:fillRef>
+          <a:effectRef idx="0">
+            <a:schemeClr val="accent1"/>
+          </a:effectRef>
+          <a:fontRef idx="minor">
+            <a:schemeClr val="lt1"/>
+          </a:fontRef>
+        </p:style>
+        <p:txBody>
+          <a:bodyPr rtlCol="0" anchor="ctr"/>
+          <a:lstStyle/>
+          <a:p>
+            <a:pPr algn="ctr"/>
+            <a:endParaRPr lang="ko-KR" altLang="en-US"/>
+          </a:p>
+        </p:txBody>
+      </p:sp>
+      <p:sp>
+        <p:nvSpPr>
+          <p:cNvPr id="9" name="TextBox 8"/>
+          <p:cNvSpPr txBox="1"/>
+          <p:nvPr/>
+        </p:nvSpPr>
+        <p:spPr>
+          <a:xfrm>
+            <a:off x="3995936" y="479095"/>
+            <a:ext cx="1080120" cy="461665"/>
+          </a:xfrm>
+          <a:prstGeom prst="rect">
+            <a:avLst/>
+          </a:prstGeom>
+          <a:noFill/>
+        </p:spPr>
+        <p:txBody>
+          <a:bodyPr wrap="square" rtlCol="0">
+            <a:spAutoFit/>
+          </a:bodyPr>
+          <a:lstStyle/>
+          <a:p>
+            <a:pPr algn="ctr"/>
+            <a:r>
+              <a:rPr lang="en-US" altLang="ko-KR" sz="2400" dirty="0">
+                <a:solidFill>
+                  <a:schemeClr val="bg1"/>
+                </a:solidFill>
+                <a:latin typeface="HY헤드라인M" pitchFamily="18" charset="-127"/>
+                <a:ea typeface="HY헤드라인M" pitchFamily="18" charset="-127"/>
+              </a:rPr>
+              <a:t>03</a:t>
+            </a:r>
+            <a:endParaRPr lang="ko-KR" altLang="en-US" sz="2400" dirty="0">
+              <a:solidFill>
+                <a:schemeClr val="bg1"/>
+              </a:solidFill>
+              <a:latin typeface="HY헤드라인M" pitchFamily="18" charset="-127"/>
+              <a:ea typeface="HY헤드라인M" pitchFamily="18" charset="-127"/>
+            </a:endParaRPr>
+          </a:p>
+        </p:txBody>
+      </p:sp>
+      <p:sp>
+        <p:nvSpPr>
+          <p:cNvPr id="12" name="TextBox 11"/>
+          <p:cNvSpPr txBox="1"/>
+          <p:nvPr/>
+        </p:nvSpPr>
+        <p:spPr>
+          <a:xfrm>
+            <a:off x="539552" y="1124744"/>
+            <a:ext cx="2520280" cy="369332"/>
+          </a:xfrm>
+          <a:prstGeom prst="rect">
+            <a:avLst/>
+          </a:prstGeom>
+          <a:noFill/>
+        </p:spPr>
+        <p:txBody>
+          <a:bodyPr wrap="square" rtlCol="0">
+            <a:spAutoFit/>
+          </a:bodyPr>
+          <a:lstStyle/>
+          <a:p>
+            <a:r>
+              <a:rPr lang="en-US" altLang="ko-KR" b="1" spc="-150" dirty="0"/>
+              <a:t>2)  </a:t>
+            </a:r>
+            <a:r>
+              <a:rPr lang="en-US" altLang="ko-KR" b="1" spc="-150" dirty="0" err="1"/>
+              <a:t>TableFrame</a:t>
+            </a:r>
+            <a:r>
+              <a:rPr lang="en-US" altLang="ko-KR" b="1" spc="-150" dirty="0"/>
+              <a:t> </a:t>
+            </a:r>
+            <a:r>
+              <a:rPr lang="ko-KR" altLang="en-US" b="1" spc="-150" dirty="0"/>
+              <a:t>클래스</a:t>
+            </a:r>
+          </a:p>
+        </p:txBody>
+      </p:sp>
+      <p:sp>
+        <p:nvSpPr>
+          <p:cNvPr id="37" name="TextBox 36"/>
+          <p:cNvSpPr txBox="1"/>
+          <p:nvPr/>
+        </p:nvSpPr>
+        <p:spPr>
+          <a:xfrm>
+            <a:off x="531962" y="2330895"/>
+            <a:ext cx="3391966" cy="2178225"/>
+          </a:xfrm>
+          <a:prstGeom prst="rect">
+            <a:avLst/>
+          </a:prstGeom>
+          <a:noFill/>
+        </p:spPr>
+        <p:txBody>
+          <a:bodyPr wrap="square" rtlCol="0">
+            <a:spAutoFit/>
+          </a:bodyPr>
+          <a:lstStyle/>
+          <a:p>
+            <a:pPr fontAlgn="base">
+              <a:lnSpc>
+                <a:spcPct val="200000"/>
+              </a:lnSpc>
+            </a:pPr>
+            <a:r>
+              <a:rPr lang="en-US" altLang="ko-KR" sz="1400" b="1" dirty="0"/>
+              <a:t>- DB </a:t>
+            </a:r>
+            <a:r>
+              <a:rPr lang="ko-KR" altLang="en-US" sz="1400" b="1" dirty="0"/>
+              <a:t>쿼리 전송에 필요한 데이터를</a:t>
+            </a:r>
+            <a:endParaRPr lang="en-US" altLang="ko-KR" sz="1400" b="1" dirty="0"/>
+          </a:p>
+          <a:p>
+            <a:pPr fontAlgn="base">
+              <a:lnSpc>
+                <a:spcPct val="200000"/>
+              </a:lnSpc>
+            </a:pPr>
+            <a:r>
+              <a:rPr lang="ko-KR" altLang="en-US" sz="1400" b="1" dirty="0"/>
+              <a:t>  </a:t>
+            </a:r>
+            <a:r>
+              <a:rPr lang="ko-KR" altLang="en-US" sz="1400" b="1" dirty="0" err="1"/>
+              <a:t>입력받아</a:t>
+            </a:r>
+            <a:r>
+              <a:rPr lang="ko-KR" altLang="en-US" sz="1400" b="1" dirty="0"/>
+              <a:t> </a:t>
+            </a:r>
+            <a:r>
+              <a:rPr lang="en-US" altLang="ko-KR" sz="1400" b="1" dirty="0"/>
+              <a:t>DAO </a:t>
+            </a:r>
+            <a:r>
+              <a:rPr lang="ko-KR" altLang="en-US" sz="1400" b="1" dirty="0"/>
+              <a:t>클래스 호출</a:t>
+            </a:r>
+            <a:endParaRPr lang="en-US" altLang="ko-KR" sz="1400" b="1" dirty="0"/>
+          </a:p>
+          <a:p>
+            <a:pPr fontAlgn="base">
+              <a:lnSpc>
+                <a:spcPct val="200000"/>
+              </a:lnSpc>
+            </a:pPr>
+            <a:r>
+              <a:rPr lang="en-US" altLang="ko-KR" sz="1400" b="1" dirty="0"/>
+              <a:t>- </a:t>
+            </a:r>
+            <a:r>
+              <a:rPr lang="ko-KR" altLang="en-US" sz="1400" b="1" dirty="0"/>
+              <a:t>상품</a:t>
+            </a:r>
+            <a:r>
+              <a:rPr lang="en-US" altLang="ko-KR" sz="1400" b="1" dirty="0"/>
+              <a:t>/</a:t>
+            </a:r>
+            <a:r>
+              <a:rPr lang="ko-KR" altLang="en-US" sz="1400" b="1" dirty="0"/>
+              <a:t>고객 정보 테이블 접근</a:t>
+            </a:r>
+            <a:endParaRPr lang="en-US" altLang="ko-KR" sz="1400" b="1" dirty="0"/>
+          </a:p>
+          <a:p>
+            <a:pPr fontAlgn="base">
+              <a:lnSpc>
+                <a:spcPct val="200000"/>
+              </a:lnSpc>
+            </a:pPr>
+            <a:r>
+              <a:rPr lang="en-US" altLang="ko-KR" sz="1400" b="1" dirty="0"/>
+              <a:t>- UI </a:t>
+            </a:r>
+            <a:r>
+              <a:rPr lang="ko-KR" altLang="en-US" sz="1400" b="1" dirty="0"/>
+              <a:t>프레임 정의</a:t>
+            </a:r>
+            <a:endParaRPr lang="en-US" altLang="ko-KR" sz="1400" b="1" dirty="0"/>
+          </a:p>
+          <a:p>
+            <a:pPr fontAlgn="base">
+              <a:lnSpc>
+                <a:spcPct val="200000"/>
+              </a:lnSpc>
+            </a:pPr>
+            <a:r>
+              <a:rPr lang="en-US" altLang="ko-KR" sz="1400" b="1" dirty="0"/>
+              <a:t>- CRUD, </a:t>
+            </a:r>
+            <a:r>
+              <a:rPr lang="ko-KR" altLang="en-US" sz="1400" b="1" dirty="0"/>
+              <a:t>재고 입고 기능 구현</a:t>
+            </a:r>
+            <a:endParaRPr lang="en-US" altLang="ko-KR" sz="1400" b="1" dirty="0"/>
+          </a:p>
+        </p:txBody>
+      </p:sp>
       <p:sp>
         <p:nvSpPr>
           <p:cNvPr id="14" name="TextBox 13">
@@ -14460,6 +14826,171 @@
                 </a:schemeClr>
               </a:solidFill>
             </a:endParaRPr>
+          </a:p>
+        </p:txBody>
+      </p:sp>
+      <p:sp>
+        <p:nvSpPr>
+          <p:cNvPr id="13" name="TextBox 12">
+            <a:extLst>
+              <a:ext uri="{FF2B5EF4-FFF2-40B4-BE49-F238E27FC236}">
+                <a16:creationId xmlns:a16="http://schemas.microsoft.com/office/drawing/2014/main" id="{383DC2F9-D382-451B-9AE4-9CCC17B5C429}"/>
+              </a:ext>
+            </a:extLst>
+          </p:cNvPr>
+          <p:cNvSpPr txBox="1"/>
+          <p:nvPr/>
+        </p:nvSpPr>
+        <p:spPr>
+          <a:xfrm>
+            <a:off x="5364088" y="271681"/>
+            <a:ext cx="3600400" cy="276999"/>
+          </a:xfrm>
+          <a:prstGeom prst="rect">
+            <a:avLst/>
+          </a:prstGeom>
+          <a:noFill/>
+        </p:spPr>
+        <p:txBody>
+          <a:bodyPr wrap="square" rtlCol="0">
+            <a:spAutoFit/>
+          </a:bodyPr>
+          <a:lstStyle/>
+          <a:p>
+            <a:pPr algn="dist"/>
+            <a:r>
+              <a:rPr lang="ko-KR" altLang="en-US" sz="1200" dirty="0" err="1">
+                <a:solidFill>
+                  <a:schemeClr val="bg1"/>
+                </a:solidFill>
+              </a:rPr>
+              <a:t>코세아</a:t>
+            </a:r>
+            <a:r>
+              <a:rPr lang="ko-KR" altLang="en-US" sz="1200" dirty="0">
+                <a:solidFill>
+                  <a:schemeClr val="bg1"/>
+                </a:solidFill>
+              </a:rPr>
+              <a:t> 인재 개발원 웹 개발자 과정 </a:t>
+            </a:r>
+            <a:r>
+              <a:rPr lang="en-US" altLang="ko-KR" sz="1200" dirty="0">
+                <a:solidFill>
+                  <a:schemeClr val="bg1"/>
+                </a:solidFill>
+              </a:rPr>
+              <a:t>31</a:t>
+            </a:r>
+            <a:r>
+              <a:rPr lang="ko-KR" altLang="en-US" sz="1200" dirty="0">
+                <a:solidFill>
+                  <a:schemeClr val="bg1"/>
+                </a:solidFill>
+              </a:rPr>
+              <a:t>기</a:t>
+            </a:r>
+          </a:p>
+        </p:txBody>
+      </p:sp>
+      <p:sp>
+        <p:nvSpPr>
+          <p:cNvPr id="15" name="TextBox 14">
+            <a:extLst>
+              <a:ext uri="{FF2B5EF4-FFF2-40B4-BE49-F238E27FC236}">
+                <a16:creationId xmlns:a16="http://schemas.microsoft.com/office/drawing/2014/main" id="{17AF46C7-7637-44B6-96D3-3CE1196E8B7C}"/>
+              </a:ext>
+            </a:extLst>
+          </p:cNvPr>
+          <p:cNvSpPr txBox="1"/>
+          <p:nvPr/>
+        </p:nvSpPr>
+        <p:spPr>
+          <a:xfrm>
+            <a:off x="5724128" y="6577607"/>
+            <a:ext cx="3168352" cy="276999"/>
+          </a:xfrm>
+          <a:prstGeom prst="rect">
+            <a:avLst/>
+          </a:prstGeom>
+          <a:noFill/>
+        </p:spPr>
+        <p:txBody>
+          <a:bodyPr wrap="square" rtlCol="0">
+            <a:spAutoFit/>
+          </a:bodyPr>
+          <a:lstStyle/>
+          <a:p>
+            <a:pPr algn="r"/>
+            <a:r>
+              <a:rPr lang="ko-KR" altLang="en-US" sz="1200" dirty="0">
+                <a:solidFill>
+                  <a:schemeClr val="bg1">
+                    <a:lumMod val="75000"/>
+                  </a:schemeClr>
+                </a:solidFill>
+              </a:rPr>
+              <a:t>쇼핑몰 재고 관리 시스템 </a:t>
+            </a:r>
+            <a:r>
+              <a:rPr lang="en-US" altLang="ko-KR" sz="1200" dirty="0">
+                <a:solidFill>
+                  <a:schemeClr val="bg1">
+                    <a:lumMod val="75000"/>
+                  </a:schemeClr>
+                </a:solidFill>
+              </a:rPr>
+              <a:t>- </a:t>
+            </a:r>
+            <a:r>
+              <a:rPr lang="ko-KR" altLang="en-US" sz="1200" dirty="0">
+                <a:solidFill>
+                  <a:schemeClr val="bg1">
+                    <a:lumMod val="75000"/>
+                  </a:schemeClr>
+                </a:solidFill>
+              </a:rPr>
+              <a:t>김준형</a:t>
+            </a:r>
+          </a:p>
+        </p:txBody>
+      </p:sp>
+      <p:sp>
+        <p:nvSpPr>
+          <p:cNvPr id="18" name="직사각형 17">
+            <a:extLst>
+              <a:ext uri="{FF2B5EF4-FFF2-40B4-BE49-F238E27FC236}">
+                <a16:creationId xmlns:a16="http://schemas.microsoft.com/office/drawing/2014/main" id="{B69888F0-6D21-49AC-B458-A9559C00053D}"/>
+              </a:ext>
+            </a:extLst>
+          </p:cNvPr>
+          <p:cNvSpPr/>
+          <p:nvPr/>
+        </p:nvSpPr>
+        <p:spPr>
+          <a:xfrm>
+            <a:off x="201838" y="271681"/>
+            <a:ext cx="1332416" cy="276999"/>
+          </a:xfrm>
+          <a:prstGeom prst="rect">
+            <a:avLst/>
+          </a:prstGeom>
+        </p:spPr>
+        <p:txBody>
+          <a:bodyPr wrap="none">
+            <a:spAutoFit/>
+          </a:bodyPr>
+          <a:lstStyle/>
+          <a:p>
+            <a:pPr algn="ctr"/>
+            <a:r>
+              <a:rPr lang="ko-KR" altLang="en-US" sz="1200" b="1" spc="-150" dirty="0">
+                <a:solidFill>
+                  <a:schemeClr val="bg1"/>
+                </a:solidFill>
+              </a:rPr>
+              <a:t>중간 프로젝트 발표</a:t>
+            </a:r>
           </a:p>
         </p:txBody>
       </p:sp>
@@ -14614,10 +15145,10 @@
       </p:sp>
       <p:pic>
         <p:nvPicPr>
-          <p:cNvPr id="5" name="그림 4">
+          <p:cNvPr id="6" name="그림 5" descr="텍스트이(가) 표시된 사진&#10;&#10;자동 생성된 설명">
             <a:extLst>
               <a:ext uri="{FF2B5EF4-FFF2-40B4-BE49-F238E27FC236}">
-                <a16:creationId xmlns:a16="http://schemas.microsoft.com/office/drawing/2014/main" id="{FBFF197B-FA0B-410F-B9AE-EC067FD453C6}"/>
+                <a16:creationId xmlns:a16="http://schemas.microsoft.com/office/drawing/2014/main" id="{6C5A17CF-27DE-4F6C-B96E-D3F9BD59C976}"/>
               </a:ext>
             </a:extLst>
           </p:cNvPr>
@@ -14640,8 +15171,8 @@
         </p:blipFill>
         <p:spPr>
           <a:xfrm>
-            <a:off x="4485038" y="980728"/>
-            <a:ext cx="4047402" cy="5217422"/>
+            <a:off x="3923928" y="994233"/>
+            <a:ext cx="4402409" cy="5255334"/>
           </a:xfrm>
           <a:prstGeom prst="rect">
             <a:avLst/>
@@ -14770,7 +15301,14 @@
             </a:r>
             <a:r>
               <a:rPr lang="ko-KR" altLang="en-US" sz="1400" b="1" dirty="0"/>
-              <a:t>쿼리 전송에 필요한 데이터를 </a:t>
+              <a:t>쿼리 전송에 필요한 데이터를</a:t>
+            </a:r>
+            <a:br>
+              <a:rPr lang="en-US" altLang="ko-KR" sz="1400" b="1" dirty="0"/>
+            </a:br>
+            <a:r>
+              <a:rPr lang="en-US" altLang="ko-KR" sz="1400" b="1" dirty="0"/>
+              <a:t>  </a:t>
             </a:r>
             <a:r>
               <a:rPr lang="ko-KR" altLang="en-US" sz="1400" b="1" dirty="0" err="1"/>
@@ -14779,6 +15317,14 @@
             <a:r>
               <a:rPr lang="ko-KR" altLang="en-US" sz="1400" b="1" dirty="0"/>
               <a:t> </a:t>
+            </a:r>
+            <a:r>
+              <a:rPr lang="en-US" altLang="ko-KR" sz="1400" b="1" dirty="0"/>
+              <a:t>DAO </a:t>
+            </a:r>
+            <a:r>
+              <a:rPr lang="ko-KR" altLang="en-US" sz="1400" b="1" dirty="0"/>
+              <a:t>클래스 호출</a:t>
             </a:r>
             <a:endParaRPr lang="en-US" altLang="ko-KR" sz="1400" b="1" dirty="0"/>
           </a:p>
@@ -14790,11 +15336,19 @@
             </a:pPr>
             <a:r>
               <a:rPr lang="en-US" altLang="ko-KR" sz="1400" b="1" dirty="0"/>
-              <a:t>  DAO </a:t>
+              <a:t>- </a:t>
             </a:r>
             <a:r>
               <a:rPr lang="ko-KR" altLang="en-US" sz="1400" b="1" dirty="0"/>
-              <a:t>클래스 호출</a:t>
+              <a:t>거래 관련 테이블</a:t>
+            </a:r>
+            <a:r>
+              <a:rPr lang="en-US" altLang="ko-KR" sz="1400" b="1" dirty="0"/>
+              <a:t>/</a:t>
+            </a:r>
+            <a:r>
+              <a:rPr lang="ko-KR" altLang="en-US" sz="1400" b="1" dirty="0"/>
+              <a:t>뷰 접근</a:t>
             </a:r>
             <a:endParaRPr lang="en-US" altLang="ko-KR" sz="1400" b="1" dirty="0"/>
           </a:p>
@@ -14806,19 +15360,11 @@
             </a:pPr>
             <a:r>
               <a:rPr lang="en-US" altLang="ko-KR" sz="1400" b="1" dirty="0"/>
-              <a:t>- </a:t>
+              <a:t>- UI</a:t>
             </a:r>
             <a:r>
               <a:rPr lang="ko-KR" altLang="en-US" sz="1400" b="1" dirty="0"/>
-              <a:t>거래 관련 테이블</a:t>
-            </a:r>
-            <a:r>
-              <a:rPr lang="en-US" altLang="ko-KR" sz="1400" b="1" dirty="0"/>
-              <a:t>/</a:t>
-            </a:r>
-            <a:r>
-              <a:rPr lang="ko-KR" altLang="en-US" sz="1400" b="1" dirty="0"/>
-              <a:t>뷰 접근</a:t>
+              <a:t>프레임 정의</a:t>
             </a:r>
             <a:endParaRPr lang="en-US" altLang="ko-KR" sz="1400" b="1" dirty="0"/>
           </a:p>
@@ -14830,22 +15376,6 @@
             </a:pPr>
             <a:r>
               <a:rPr lang="en-US" altLang="ko-KR" sz="1400" b="1" dirty="0"/>
-              <a:t>- UI</a:t>
-            </a:r>
-            <a:r>
-              <a:rPr lang="ko-KR" altLang="en-US" sz="1400" b="1" dirty="0"/>
-              <a:t>프레임 정의</a:t>
-            </a:r>
-            <a:endParaRPr lang="en-US" altLang="ko-KR" sz="1400" b="1" dirty="0"/>
-          </a:p>
-          <a:p>
-            <a:pPr fontAlgn="base">
-              <a:lnSpc>
-                <a:spcPct val="200000"/>
-              </a:lnSpc>
-            </a:pPr>
-            <a:r>
-              <a:rPr lang="en-US" altLang="ko-KR" sz="1400" b="1" dirty="0"/>
               <a:t>- CRUD</a:t>
             </a:r>
             <a:r>
@@ -14861,49 +15391,6 @@
               <a:t>거래 종결 기능 구현</a:t>
             </a:r>
             <a:endParaRPr lang="en-US" altLang="ko-KR" sz="1400" b="1" dirty="0"/>
-          </a:p>
-        </p:txBody>
-      </p:sp>
-      <p:sp>
-        <p:nvSpPr>
-          <p:cNvPr id="17" name="TextBox 16"/>
-          <p:cNvSpPr txBox="1"/>
-          <p:nvPr/>
-        </p:nvSpPr>
-        <p:spPr>
-          <a:xfrm>
-            <a:off x="7164288" y="6546830"/>
-            <a:ext cx="1728192" cy="338554"/>
-          </a:xfrm>
-          <a:prstGeom prst="rect">
-            <a:avLst/>
-          </a:prstGeom>
-          <a:noFill/>
-        </p:spPr>
-        <p:txBody>
-          <a:bodyPr wrap="square" rtlCol="0">
-            <a:spAutoFit/>
-          </a:bodyPr>
-          <a:lstStyle/>
-          <a:p>
-            <a:pPr algn="r"/>
-            <a:r>
-              <a:rPr lang="en-US" altLang="ko-KR" sz="1600" dirty="0">
-                <a:solidFill>
-                  <a:schemeClr val="bg1">
-                    <a:lumMod val="75000"/>
-                  </a:schemeClr>
-                </a:solidFill>
-              </a:rPr>
-              <a:t>MINHEEBLOG</a:t>
-            </a:r>
-            <a:endParaRPr lang="ko-KR" altLang="en-US" sz="1600" dirty="0">
-              <a:solidFill>
-                <a:schemeClr val="bg1">
-                  <a:lumMod val="75000"/>
-                </a:schemeClr>
-              </a:solidFill>
-            </a:endParaRPr>
           </a:p>
         </p:txBody>
       </p:sp>
@@ -15006,6 +15493,171 @@
                 </a:schemeClr>
               </a:solidFill>
             </a:endParaRPr>
+          </a:p>
+        </p:txBody>
+      </p:sp>
+      <p:sp>
+        <p:nvSpPr>
+          <p:cNvPr id="15" name="TextBox 14">
+            <a:extLst>
+              <a:ext uri="{FF2B5EF4-FFF2-40B4-BE49-F238E27FC236}">
+                <a16:creationId xmlns:a16="http://schemas.microsoft.com/office/drawing/2014/main" id="{FF60CBB9-8682-44A2-89AF-1FE7648CB710}"/>
+              </a:ext>
+            </a:extLst>
+          </p:cNvPr>
+          <p:cNvSpPr txBox="1"/>
+          <p:nvPr/>
+        </p:nvSpPr>
+        <p:spPr>
+          <a:xfrm>
+            <a:off x="5364088" y="271681"/>
+            <a:ext cx="3600400" cy="276999"/>
+          </a:xfrm>
+          <a:prstGeom prst="rect">
+            <a:avLst/>
+          </a:prstGeom>
+          <a:noFill/>
+        </p:spPr>
+        <p:txBody>
+          <a:bodyPr wrap="square" rtlCol="0">
+            <a:spAutoFit/>
+          </a:bodyPr>
+          <a:lstStyle/>
+          <a:p>
+            <a:pPr algn="dist"/>
+            <a:r>
+              <a:rPr lang="ko-KR" altLang="en-US" sz="1200" dirty="0" err="1">
+                <a:solidFill>
+                  <a:schemeClr val="bg1"/>
+                </a:solidFill>
+              </a:rPr>
+              <a:t>코세아</a:t>
+            </a:r>
+            <a:r>
+              <a:rPr lang="ko-KR" altLang="en-US" sz="1200" dirty="0">
+                <a:solidFill>
+                  <a:schemeClr val="bg1"/>
+                </a:solidFill>
+              </a:rPr>
+              <a:t> 인재 개발원 웹 개발자 과정 </a:t>
+            </a:r>
+            <a:r>
+              <a:rPr lang="en-US" altLang="ko-KR" sz="1200" dirty="0">
+                <a:solidFill>
+                  <a:schemeClr val="bg1"/>
+                </a:solidFill>
+              </a:rPr>
+              <a:t>31</a:t>
+            </a:r>
+            <a:r>
+              <a:rPr lang="ko-KR" altLang="en-US" sz="1200" dirty="0">
+                <a:solidFill>
+                  <a:schemeClr val="bg1"/>
+                </a:solidFill>
+              </a:rPr>
+              <a:t>기</a:t>
+            </a:r>
+          </a:p>
+        </p:txBody>
+      </p:sp>
+      <p:sp>
+        <p:nvSpPr>
+          <p:cNvPr id="16" name="TextBox 15">
+            <a:extLst>
+              <a:ext uri="{FF2B5EF4-FFF2-40B4-BE49-F238E27FC236}">
+                <a16:creationId xmlns:a16="http://schemas.microsoft.com/office/drawing/2014/main" id="{C265DC4F-2637-4252-AF51-B66D8008F5CB}"/>
+              </a:ext>
+            </a:extLst>
+          </p:cNvPr>
+          <p:cNvSpPr txBox="1"/>
+          <p:nvPr/>
+        </p:nvSpPr>
+        <p:spPr>
+          <a:xfrm>
+            <a:off x="5724128" y="6577607"/>
+            <a:ext cx="3168352" cy="276999"/>
+          </a:xfrm>
+          <a:prstGeom prst="rect">
+            <a:avLst/>
+          </a:prstGeom>
+          <a:noFill/>
+        </p:spPr>
+        <p:txBody>
+          <a:bodyPr wrap="square" rtlCol="0">
+            <a:spAutoFit/>
+          </a:bodyPr>
+          <a:lstStyle/>
+          <a:p>
+            <a:pPr algn="r"/>
+            <a:r>
+              <a:rPr lang="ko-KR" altLang="en-US" sz="1200" dirty="0">
+                <a:solidFill>
+                  <a:schemeClr val="bg1">
+                    <a:lumMod val="75000"/>
+                  </a:schemeClr>
+                </a:solidFill>
+              </a:rPr>
+              <a:t>쇼핑몰 재고 관리 시스템 </a:t>
+            </a:r>
+            <a:r>
+              <a:rPr lang="en-US" altLang="ko-KR" sz="1200" dirty="0">
+                <a:solidFill>
+                  <a:schemeClr val="bg1">
+                    <a:lumMod val="75000"/>
+                  </a:schemeClr>
+                </a:solidFill>
+              </a:rPr>
+              <a:t>- </a:t>
+            </a:r>
+            <a:r>
+              <a:rPr lang="ko-KR" altLang="en-US" sz="1200" dirty="0">
+                <a:solidFill>
+                  <a:schemeClr val="bg1">
+                    <a:lumMod val="75000"/>
+                  </a:schemeClr>
+                </a:solidFill>
+              </a:rPr>
+              <a:t>김준형</a:t>
+            </a:r>
+          </a:p>
+        </p:txBody>
+      </p:sp>
+      <p:sp>
+        <p:nvSpPr>
+          <p:cNvPr id="18" name="직사각형 17">
+            <a:extLst>
+              <a:ext uri="{FF2B5EF4-FFF2-40B4-BE49-F238E27FC236}">
+                <a16:creationId xmlns:a16="http://schemas.microsoft.com/office/drawing/2014/main" id="{76975E05-623D-412B-BC48-21DE1FC48399}"/>
+              </a:ext>
+            </a:extLst>
+          </p:cNvPr>
+          <p:cNvSpPr/>
+          <p:nvPr/>
+        </p:nvSpPr>
+        <p:spPr>
+          <a:xfrm>
+            <a:off x="201838" y="271681"/>
+            <a:ext cx="1332416" cy="276999"/>
+          </a:xfrm>
+          <a:prstGeom prst="rect">
+            <a:avLst/>
+          </a:prstGeom>
+        </p:spPr>
+        <p:txBody>
+          <a:bodyPr wrap="none">
+            <a:spAutoFit/>
+          </a:bodyPr>
+          <a:lstStyle/>
+          <a:p>
+            <a:pPr algn="ctr"/>
+            <a:r>
+              <a:rPr lang="ko-KR" altLang="en-US" sz="1200" b="1" spc="-150" dirty="0">
+                <a:solidFill>
+                  <a:schemeClr val="bg1"/>
+                </a:solidFill>
+              </a:rPr>
+              <a:t>중간 프로젝트 발표</a:t>
+            </a:r>
           </a:p>
         </p:txBody>
       </p:sp>
@@ -15304,49 +15956,6 @@
       </p:sp>
       <p:sp>
         <p:nvSpPr>
-          <p:cNvPr id="17" name="TextBox 16"/>
-          <p:cNvSpPr txBox="1"/>
-          <p:nvPr/>
-        </p:nvSpPr>
-        <p:spPr>
-          <a:xfrm>
-            <a:off x="7164288" y="6546830"/>
-            <a:ext cx="1728192" cy="338554"/>
-          </a:xfrm>
-          <a:prstGeom prst="rect">
-            <a:avLst/>
-          </a:prstGeom>
-          <a:noFill/>
-        </p:spPr>
-        <p:txBody>
-          <a:bodyPr wrap="square" rtlCol="0">
-            <a:spAutoFit/>
-          </a:bodyPr>
-          <a:lstStyle/>
-          <a:p>
-            <a:pPr algn="r"/>
-            <a:r>
-              <a:rPr lang="en-US" altLang="ko-KR" sz="1600" dirty="0">
-                <a:solidFill>
-                  <a:schemeClr val="bg1">
-                    <a:lumMod val="75000"/>
-                  </a:schemeClr>
-                </a:solidFill>
-              </a:rPr>
-              <a:t>MINHEEBLOG</a:t>
-            </a:r>
-            <a:endParaRPr lang="ko-KR" altLang="en-US" sz="1600" dirty="0">
-              <a:solidFill>
-                <a:schemeClr val="bg1">
-                  <a:lumMod val="75000"/>
-                </a:schemeClr>
-              </a:solidFill>
-            </a:endParaRPr>
-          </a:p>
-        </p:txBody>
-      </p:sp>
-      <p:sp>
-        <p:nvSpPr>
           <p:cNvPr id="9" name="TextBox 8"/>
           <p:cNvSpPr txBox="1"/>
           <p:nvPr/>
@@ -15480,6 +16089,171 @@
                 </a:schemeClr>
               </a:solidFill>
             </a:endParaRPr>
+          </a:p>
+        </p:txBody>
+      </p:sp>
+      <p:sp>
+        <p:nvSpPr>
+          <p:cNvPr id="11" name="TextBox 10">
+            <a:extLst>
+              <a:ext uri="{FF2B5EF4-FFF2-40B4-BE49-F238E27FC236}">
+                <a16:creationId xmlns:a16="http://schemas.microsoft.com/office/drawing/2014/main" id="{BABB813F-72A2-4F06-B706-EB6119C59A0C}"/>
+              </a:ext>
+            </a:extLst>
+          </p:cNvPr>
+          <p:cNvSpPr txBox="1"/>
+          <p:nvPr/>
+        </p:nvSpPr>
+        <p:spPr>
+          <a:xfrm>
+            <a:off x="5364088" y="271681"/>
+            <a:ext cx="3600400" cy="276999"/>
+          </a:xfrm>
+          <a:prstGeom prst="rect">
+            <a:avLst/>
+          </a:prstGeom>
+          <a:noFill/>
+        </p:spPr>
+        <p:txBody>
+          <a:bodyPr wrap="square" rtlCol="0">
+            <a:spAutoFit/>
+          </a:bodyPr>
+          <a:lstStyle/>
+          <a:p>
+            <a:pPr algn="dist"/>
+            <a:r>
+              <a:rPr lang="ko-KR" altLang="en-US" sz="1200" dirty="0" err="1">
+                <a:solidFill>
+                  <a:schemeClr val="bg1"/>
+                </a:solidFill>
+              </a:rPr>
+              <a:t>코세아</a:t>
+            </a:r>
+            <a:r>
+              <a:rPr lang="ko-KR" altLang="en-US" sz="1200" dirty="0">
+                <a:solidFill>
+                  <a:schemeClr val="bg1"/>
+                </a:solidFill>
+              </a:rPr>
+              <a:t> 인재 개발원 웹 개발자 과정 </a:t>
+            </a:r>
+            <a:r>
+              <a:rPr lang="en-US" altLang="ko-KR" sz="1200" dirty="0">
+                <a:solidFill>
+                  <a:schemeClr val="bg1"/>
+                </a:solidFill>
+              </a:rPr>
+              <a:t>31</a:t>
+            </a:r>
+            <a:r>
+              <a:rPr lang="ko-KR" altLang="en-US" sz="1200" dirty="0">
+                <a:solidFill>
+                  <a:schemeClr val="bg1"/>
+                </a:solidFill>
+              </a:rPr>
+              <a:t>기</a:t>
+            </a:r>
+          </a:p>
+        </p:txBody>
+      </p:sp>
+      <p:sp>
+        <p:nvSpPr>
+          <p:cNvPr id="15" name="TextBox 14">
+            <a:extLst>
+              <a:ext uri="{FF2B5EF4-FFF2-40B4-BE49-F238E27FC236}">
+                <a16:creationId xmlns:a16="http://schemas.microsoft.com/office/drawing/2014/main" id="{622C7FCF-450A-4A68-8EDC-7CD843083860}"/>
+              </a:ext>
+            </a:extLst>
+          </p:cNvPr>
+          <p:cNvSpPr txBox="1"/>
+          <p:nvPr/>
+        </p:nvSpPr>
+        <p:spPr>
+          <a:xfrm>
+            <a:off x="5724128" y="6577607"/>
+            <a:ext cx="3168352" cy="276999"/>
+          </a:xfrm>
+          <a:prstGeom prst="rect">
+            <a:avLst/>
+          </a:prstGeom>
+          <a:noFill/>
+        </p:spPr>
+        <p:txBody>
+          <a:bodyPr wrap="square" rtlCol="0">
+            <a:spAutoFit/>
+          </a:bodyPr>
+          <a:lstStyle/>
+          <a:p>
+            <a:pPr algn="r"/>
+            <a:r>
+              <a:rPr lang="ko-KR" altLang="en-US" sz="1200" dirty="0">
+                <a:solidFill>
+                  <a:schemeClr val="bg1">
+                    <a:lumMod val="75000"/>
+                  </a:schemeClr>
+                </a:solidFill>
+              </a:rPr>
+              <a:t>쇼핑몰 재고 관리 시스템 </a:t>
+            </a:r>
+            <a:r>
+              <a:rPr lang="en-US" altLang="ko-KR" sz="1200" dirty="0">
+                <a:solidFill>
+                  <a:schemeClr val="bg1">
+                    <a:lumMod val="75000"/>
+                  </a:schemeClr>
+                </a:solidFill>
+              </a:rPr>
+              <a:t>- </a:t>
+            </a:r>
+            <a:r>
+              <a:rPr lang="ko-KR" altLang="en-US" sz="1200" dirty="0">
+                <a:solidFill>
+                  <a:schemeClr val="bg1">
+                    <a:lumMod val="75000"/>
+                  </a:schemeClr>
+                </a:solidFill>
+              </a:rPr>
+              <a:t>김준형</a:t>
+            </a:r>
+          </a:p>
+        </p:txBody>
+      </p:sp>
+      <p:sp>
+        <p:nvSpPr>
+          <p:cNvPr id="16" name="직사각형 15">
+            <a:extLst>
+              <a:ext uri="{FF2B5EF4-FFF2-40B4-BE49-F238E27FC236}">
+                <a16:creationId xmlns:a16="http://schemas.microsoft.com/office/drawing/2014/main" id="{F3856D9C-9889-4567-A925-91083E593FAD}"/>
+              </a:ext>
+            </a:extLst>
+          </p:cNvPr>
+          <p:cNvSpPr/>
+          <p:nvPr/>
+        </p:nvSpPr>
+        <p:spPr>
+          <a:xfrm>
+            <a:off x="201838" y="271681"/>
+            <a:ext cx="1332416" cy="276999"/>
+          </a:xfrm>
+          <a:prstGeom prst="rect">
+            <a:avLst/>
+          </a:prstGeom>
+        </p:spPr>
+        <p:txBody>
+          <a:bodyPr wrap="none">
+            <a:spAutoFit/>
+          </a:bodyPr>
+          <a:lstStyle/>
+          <a:p>
+            <a:pPr algn="ctr"/>
+            <a:r>
+              <a:rPr lang="ko-KR" altLang="en-US" sz="1200" b="1" spc="-150" dirty="0">
+                <a:solidFill>
+                  <a:schemeClr val="bg1"/>
+                </a:solidFill>
+              </a:rPr>
+              <a:t>중간 프로젝트 발표</a:t>
+            </a:r>
           </a:p>
         </p:txBody>
       </p:sp>
@@ -15716,49 +16490,6 @@
       </p:sp>
       <p:sp>
         <p:nvSpPr>
-          <p:cNvPr id="17" name="TextBox 16"/>
-          <p:cNvSpPr txBox="1"/>
-          <p:nvPr/>
-        </p:nvSpPr>
-        <p:spPr>
-          <a:xfrm>
-            <a:off x="7164288" y="6546830"/>
-            <a:ext cx="1728192" cy="338554"/>
-          </a:xfrm>
-          <a:prstGeom prst="rect">
-            <a:avLst/>
-          </a:prstGeom>
-          <a:noFill/>
-        </p:spPr>
-        <p:txBody>
-          <a:bodyPr wrap="square" rtlCol="0">
-            <a:spAutoFit/>
-          </a:bodyPr>
-          <a:lstStyle/>
-          <a:p>
-            <a:pPr algn="r"/>
-            <a:r>
-              <a:rPr lang="en-US" altLang="ko-KR" sz="1600" dirty="0">
-                <a:solidFill>
-                  <a:schemeClr val="bg1">
-                    <a:lumMod val="75000"/>
-                  </a:schemeClr>
-                </a:solidFill>
-              </a:rPr>
-              <a:t>MINHEEBLOG</a:t>
-            </a:r>
-            <a:endParaRPr lang="ko-KR" altLang="en-US" sz="1600" dirty="0">
-              <a:solidFill>
-                <a:schemeClr val="bg1">
-                  <a:lumMod val="75000"/>
-                </a:schemeClr>
-              </a:solidFill>
-            </a:endParaRPr>
-          </a:p>
-        </p:txBody>
-      </p:sp>
-      <p:sp>
-        <p:nvSpPr>
           <p:cNvPr id="9" name="TextBox 8"/>
           <p:cNvSpPr txBox="1"/>
           <p:nvPr/>
@@ -16069,6 +16800,171 @@
           </a:prstGeom>
         </p:spPr>
       </p:pic>
+      <p:sp>
+        <p:nvSpPr>
+          <p:cNvPr id="14" name="TextBox 13">
+            <a:extLst>
+              <a:ext uri="{FF2B5EF4-FFF2-40B4-BE49-F238E27FC236}">
+                <a16:creationId xmlns:a16="http://schemas.microsoft.com/office/drawing/2014/main" id="{697E930C-FC9C-4ADC-9619-5E718584A11C}"/>
+              </a:ext>
+            </a:extLst>
+          </p:cNvPr>
+          <p:cNvSpPr txBox="1"/>
+          <p:nvPr/>
+        </p:nvSpPr>
+        <p:spPr>
+          <a:xfrm>
+            <a:off x="5364088" y="271681"/>
+            <a:ext cx="3600400" cy="276999"/>
+          </a:xfrm>
+          <a:prstGeom prst="rect">
+            <a:avLst/>
+          </a:prstGeom>
+          <a:noFill/>
+        </p:spPr>
+        <p:txBody>
+          <a:bodyPr wrap="square" rtlCol="0">
+            <a:spAutoFit/>
+          </a:bodyPr>
+          <a:lstStyle/>
+          <a:p>
+            <a:pPr algn="dist"/>
+            <a:r>
+              <a:rPr lang="ko-KR" altLang="en-US" sz="1200" dirty="0" err="1">
+                <a:solidFill>
+                  <a:schemeClr val="bg1"/>
+                </a:solidFill>
+              </a:rPr>
+              <a:t>코세아</a:t>
+            </a:r>
+            <a:r>
+              <a:rPr lang="ko-KR" altLang="en-US" sz="1200" dirty="0">
+                <a:solidFill>
+                  <a:schemeClr val="bg1"/>
+                </a:solidFill>
+              </a:rPr>
+              <a:t> 인재 개발원 웹 개발자 과정 </a:t>
+            </a:r>
+            <a:r>
+              <a:rPr lang="en-US" altLang="ko-KR" sz="1200" dirty="0">
+                <a:solidFill>
+                  <a:schemeClr val="bg1"/>
+                </a:solidFill>
+              </a:rPr>
+              <a:t>31</a:t>
+            </a:r>
+            <a:r>
+              <a:rPr lang="ko-KR" altLang="en-US" sz="1200" dirty="0">
+                <a:solidFill>
+                  <a:schemeClr val="bg1"/>
+                </a:solidFill>
+              </a:rPr>
+              <a:t>기</a:t>
+            </a:r>
+          </a:p>
+        </p:txBody>
+      </p:sp>
+      <p:sp>
+        <p:nvSpPr>
+          <p:cNvPr id="15" name="TextBox 14">
+            <a:extLst>
+              <a:ext uri="{FF2B5EF4-FFF2-40B4-BE49-F238E27FC236}">
+                <a16:creationId xmlns:a16="http://schemas.microsoft.com/office/drawing/2014/main" id="{DF9A6091-CED1-4B03-B89B-00AAC5642C85}"/>
+              </a:ext>
+            </a:extLst>
+          </p:cNvPr>
+          <p:cNvSpPr txBox="1"/>
+          <p:nvPr/>
+        </p:nvSpPr>
+        <p:spPr>
+          <a:xfrm>
+            <a:off x="5724128" y="6577607"/>
+            <a:ext cx="3168352" cy="276999"/>
+          </a:xfrm>
+          <a:prstGeom prst="rect">
+            <a:avLst/>
+          </a:prstGeom>
+          <a:noFill/>
+        </p:spPr>
+        <p:txBody>
+          <a:bodyPr wrap="square" rtlCol="0">
+            <a:spAutoFit/>
+          </a:bodyPr>
+          <a:lstStyle/>
+          <a:p>
+            <a:pPr algn="r"/>
+            <a:r>
+              <a:rPr lang="ko-KR" altLang="en-US" sz="1200" dirty="0">
+                <a:solidFill>
+                  <a:schemeClr val="bg1">
+                    <a:lumMod val="75000"/>
+                  </a:schemeClr>
+                </a:solidFill>
+              </a:rPr>
+              <a:t>쇼핑몰 재고 관리 시스템 </a:t>
+            </a:r>
+            <a:r>
+              <a:rPr lang="en-US" altLang="ko-KR" sz="1200" dirty="0">
+                <a:solidFill>
+                  <a:schemeClr val="bg1">
+                    <a:lumMod val="75000"/>
+                  </a:schemeClr>
+                </a:solidFill>
+              </a:rPr>
+              <a:t>- </a:t>
+            </a:r>
+            <a:r>
+              <a:rPr lang="ko-KR" altLang="en-US" sz="1200" dirty="0">
+                <a:solidFill>
+                  <a:schemeClr val="bg1">
+                    <a:lumMod val="75000"/>
+                  </a:schemeClr>
+                </a:solidFill>
+              </a:rPr>
+              <a:t>김준형</a:t>
+            </a:r>
+          </a:p>
+        </p:txBody>
+      </p:sp>
+      <p:sp>
+        <p:nvSpPr>
+          <p:cNvPr id="16" name="직사각형 15">
+            <a:extLst>
+              <a:ext uri="{FF2B5EF4-FFF2-40B4-BE49-F238E27FC236}">
+                <a16:creationId xmlns:a16="http://schemas.microsoft.com/office/drawing/2014/main" id="{04ACF8A0-DB53-4655-8CED-059353A0A97D}"/>
+              </a:ext>
+            </a:extLst>
+          </p:cNvPr>
+          <p:cNvSpPr/>
+          <p:nvPr/>
+        </p:nvSpPr>
+        <p:spPr>
+          <a:xfrm>
+            <a:off x="201838" y="271681"/>
+            <a:ext cx="1332416" cy="276999"/>
+          </a:xfrm>
+          <a:prstGeom prst="rect">
+            <a:avLst/>
+          </a:prstGeom>
+        </p:spPr>
+        <p:txBody>
+          <a:bodyPr wrap="none">
+            <a:spAutoFit/>
+          </a:bodyPr>
+          <a:lstStyle/>
+          <a:p>
+            <a:pPr algn="ctr"/>
+            <a:r>
+              <a:rPr lang="ko-KR" altLang="en-US" sz="1200" b="1" spc="-150" dirty="0">
+                <a:solidFill>
+                  <a:schemeClr val="bg1"/>
+                </a:solidFill>
+              </a:rPr>
+              <a:t>중간 프로젝트 발표</a:t>
+            </a:r>
+          </a:p>
+        </p:txBody>
+      </p:sp>
     </p:spTree>
     <p:extLst>
       <p:ext uri="{BB962C8B-B14F-4D97-AF65-F5344CB8AC3E}">
@@ -16302,49 +17198,6 @@
       </p:sp>
       <p:sp>
         <p:nvSpPr>
-          <p:cNvPr id="17" name="TextBox 16"/>
-          <p:cNvSpPr txBox="1"/>
-          <p:nvPr/>
-        </p:nvSpPr>
-        <p:spPr>
-          <a:xfrm>
-            <a:off x="7164288" y="6546830"/>
-            <a:ext cx="1728192" cy="338554"/>
-          </a:xfrm>
-          <a:prstGeom prst="rect">
-            <a:avLst/>
-          </a:prstGeom>
-          <a:noFill/>
-        </p:spPr>
-        <p:txBody>
-          <a:bodyPr wrap="square" rtlCol="0">
-            <a:spAutoFit/>
-          </a:bodyPr>
-          <a:lstStyle/>
-          <a:p>
-            <a:pPr algn="r"/>
-            <a:r>
-              <a:rPr lang="en-US" altLang="ko-KR" sz="1600" dirty="0">
-                <a:solidFill>
-                  <a:schemeClr val="bg1">
-                    <a:lumMod val="75000"/>
-                  </a:schemeClr>
-                </a:solidFill>
-              </a:rPr>
-              <a:t>MINHEEBLOG</a:t>
-            </a:r>
-            <a:endParaRPr lang="ko-KR" altLang="en-US" sz="1600" dirty="0">
-              <a:solidFill>
-                <a:schemeClr val="bg1">
-                  <a:lumMod val="75000"/>
-                </a:schemeClr>
-              </a:solidFill>
-            </a:endParaRPr>
-          </a:p>
-        </p:txBody>
-      </p:sp>
-      <p:sp>
-        <p:nvSpPr>
           <p:cNvPr id="9" name="TextBox 8"/>
           <p:cNvSpPr txBox="1"/>
           <p:nvPr/>
@@ -16451,7 +17304,7 @@
         <p:spPr>
           <a:xfrm>
             <a:off x="536896" y="5062556"/>
-            <a:ext cx="7491488" cy="454676"/>
+            <a:ext cx="7491488" cy="885563"/>
           </a:xfrm>
           <a:prstGeom prst="rect">
             <a:avLst/>
@@ -16484,6 +17337,30 @@
             <a:r>
               <a:rPr lang="ko-KR" altLang="en-US" sz="1400" b="1" dirty="0"/>
               <a:t>쿼리 작성</a:t>
+            </a:r>
+            <a:endParaRPr lang="en-US" altLang="ko-KR" sz="1400" b="1" dirty="0"/>
+          </a:p>
+          <a:p>
+            <a:pPr fontAlgn="base">
+              <a:lnSpc>
+                <a:spcPct val="200000"/>
+              </a:lnSpc>
+            </a:pPr>
+            <a:r>
+              <a:rPr lang="en-US" altLang="ko-KR" sz="1400" b="1" dirty="0"/>
+              <a:t>- </a:t>
+            </a:r>
+            <a:r>
+              <a:rPr lang="en-US" altLang="ko-KR" sz="1400" b="1" dirty="0" err="1"/>
+              <a:t>Import_Products</a:t>
+            </a:r>
+            <a:r>
+              <a:rPr lang="en-US" altLang="ko-KR" sz="1400" b="1" dirty="0"/>
+              <a:t> </a:t>
+            </a:r>
+            <a:r>
+              <a:rPr lang="ko-KR" altLang="en-US" sz="1400" b="1" dirty="0"/>
+              <a:t>뷰로 재고량이 마이너스인 재고 조회하여 입고 기능 실행</a:t>
             </a:r>
           </a:p>
         </p:txBody>
@@ -16552,7 +17429,7 @@
         </p:blipFill>
         <p:spPr>
           <a:xfrm>
-            <a:off x="4630952" y="1512368"/>
+            <a:off x="4602066" y="3379081"/>
             <a:ext cx="3556222" cy="1778111"/>
           </a:xfrm>
           <a:prstGeom prst="rect">
@@ -16598,10 +17475,10 @@
       </p:pic>
       <p:pic>
         <p:nvPicPr>
-          <p:cNvPr id="18" name="그림 17" descr="스크린샷이(가) 표시된 사진&#10;&#10;자동 생성된 설명">
+          <p:cNvPr id="5" name="그림 4" descr="스크린샷이(가) 표시된 사진&#10;&#10;자동 생성된 설명">
             <a:extLst>
               <a:ext uri="{FF2B5EF4-FFF2-40B4-BE49-F238E27FC236}">
-                <a16:creationId xmlns:a16="http://schemas.microsoft.com/office/drawing/2014/main" id="{D92A73A9-0311-42CA-AAA6-E6B3B24F7A4E}"/>
+                <a16:creationId xmlns:a16="http://schemas.microsoft.com/office/drawing/2014/main" id="{70E1492B-0D73-4190-AFA9-913897205829}"/>
               </a:ext>
             </a:extLst>
           </p:cNvPr>
@@ -16624,14 +17501,179 @@
         </p:blipFill>
         <p:spPr>
           <a:xfrm>
-            <a:off x="4630952" y="3379081"/>
-            <a:ext cx="3556222" cy="1778111"/>
+            <a:off x="4602066" y="1494076"/>
+            <a:ext cx="3556222" cy="1803045"/>
           </a:xfrm>
           <a:prstGeom prst="rect">
             <a:avLst/>
           </a:prstGeom>
         </p:spPr>
       </p:pic>
+      <p:sp>
+        <p:nvSpPr>
+          <p:cNvPr id="16" name="TextBox 15">
+            <a:extLst>
+              <a:ext uri="{FF2B5EF4-FFF2-40B4-BE49-F238E27FC236}">
+                <a16:creationId xmlns:a16="http://schemas.microsoft.com/office/drawing/2014/main" id="{06E10F27-92CC-4A26-B66B-4F750349B563}"/>
+              </a:ext>
+            </a:extLst>
+          </p:cNvPr>
+          <p:cNvSpPr txBox="1"/>
+          <p:nvPr/>
+        </p:nvSpPr>
+        <p:spPr>
+          <a:xfrm>
+            <a:off x="5364088" y="271681"/>
+            <a:ext cx="3600400" cy="276999"/>
+          </a:xfrm>
+          <a:prstGeom prst="rect">
+            <a:avLst/>
+          </a:prstGeom>
+          <a:noFill/>
+        </p:spPr>
+        <p:txBody>
+          <a:bodyPr wrap="square" rtlCol="0">
+            <a:spAutoFit/>
+          </a:bodyPr>
+          <a:lstStyle/>
+          <a:p>
+            <a:pPr algn="dist"/>
+            <a:r>
+              <a:rPr lang="ko-KR" altLang="en-US" sz="1200" dirty="0" err="1">
+                <a:solidFill>
+                  <a:schemeClr val="bg1"/>
+                </a:solidFill>
+              </a:rPr>
+              <a:t>코세아</a:t>
+            </a:r>
+            <a:r>
+              <a:rPr lang="ko-KR" altLang="en-US" sz="1200" dirty="0">
+                <a:solidFill>
+                  <a:schemeClr val="bg1"/>
+                </a:solidFill>
+              </a:rPr>
+              <a:t> 인재 개발원 웹 개발자 과정 </a:t>
+            </a:r>
+            <a:r>
+              <a:rPr lang="en-US" altLang="ko-KR" sz="1200" dirty="0">
+                <a:solidFill>
+                  <a:schemeClr val="bg1"/>
+                </a:solidFill>
+              </a:rPr>
+              <a:t>31</a:t>
+            </a:r>
+            <a:r>
+              <a:rPr lang="ko-KR" altLang="en-US" sz="1200" dirty="0">
+                <a:solidFill>
+                  <a:schemeClr val="bg1"/>
+                </a:solidFill>
+              </a:rPr>
+              <a:t>기</a:t>
+            </a:r>
+          </a:p>
+        </p:txBody>
+      </p:sp>
+      <p:sp>
+        <p:nvSpPr>
+          <p:cNvPr id="19" name="TextBox 18">
+            <a:extLst>
+              <a:ext uri="{FF2B5EF4-FFF2-40B4-BE49-F238E27FC236}">
+                <a16:creationId xmlns:a16="http://schemas.microsoft.com/office/drawing/2014/main" id="{61E8CB47-53A6-4F9C-A8F3-460B01BB0315}"/>
+              </a:ext>
+            </a:extLst>
+          </p:cNvPr>
+          <p:cNvSpPr txBox="1"/>
+          <p:nvPr/>
+        </p:nvSpPr>
+        <p:spPr>
+          <a:xfrm>
+            <a:off x="5724128" y="6577607"/>
+            <a:ext cx="3168352" cy="276999"/>
+          </a:xfrm>
+          <a:prstGeom prst="rect">
+            <a:avLst/>
+          </a:prstGeom>
+          <a:noFill/>
+        </p:spPr>
+        <p:txBody>
+          <a:bodyPr wrap="square" rtlCol="0">
+            <a:spAutoFit/>
+          </a:bodyPr>
+          <a:lstStyle/>
+          <a:p>
+            <a:pPr algn="r"/>
+            <a:r>
+              <a:rPr lang="ko-KR" altLang="en-US" sz="1200" dirty="0">
+                <a:solidFill>
+                  <a:schemeClr val="bg1">
+                    <a:lumMod val="75000"/>
+                  </a:schemeClr>
+                </a:solidFill>
+              </a:rPr>
+              <a:t>쇼핑몰 재고 관리 시스템 </a:t>
+            </a:r>
+            <a:r>
+              <a:rPr lang="en-US" altLang="ko-KR" sz="1200" dirty="0">
+                <a:solidFill>
+                  <a:schemeClr val="bg1">
+                    <a:lumMod val="75000"/>
+                  </a:schemeClr>
+                </a:solidFill>
+              </a:rPr>
+              <a:t>- </a:t>
+            </a:r>
+            <a:r>
+              <a:rPr lang="ko-KR" altLang="en-US" sz="1200" dirty="0">
+                <a:solidFill>
+                  <a:schemeClr val="bg1">
+                    <a:lumMod val="75000"/>
+                  </a:schemeClr>
+                </a:solidFill>
+              </a:rPr>
+              <a:t>김준형</a:t>
+            </a:r>
+          </a:p>
+        </p:txBody>
+      </p:sp>
+      <p:sp>
+        <p:nvSpPr>
+          <p:cNvPr id="20" name="직사각형 19">
+            <a:extLst>
+              <a:ext uri="{FF2B5EF4-FFF2-40B4-BE49-F238E27FC236}">
+                <a16:creationId xmlns:a16="http://schemas.microsoft.com/office/drawing/2014/main" id="{292DDDFF-5EF8-491E-87D4-7D39B37CA1B8}"/>
+              </a:ext>
+            </a:extLst>
+          </p:cNvPr>
+          <p:cNvSpPr/>
+          <p:nvPr/>
+        </p:nvSpPr>
+        <p:spPr>
+          <a:xfrm>
+            <a:off x="201838" y="271681"/>
+            <a:ext cx="1332416" cy="276999"/>
+          </a:xfrm>
+          <a:prstGeom prst="rect">
+            <a:avLst/>
+          </a:prstGeom>
+        </p:spPr>
+        <p:txBody>
+          <a:bodyPr wrap="none">
+            <a:spAutoFit/>
+          </a:bodyPr>
+          <a:lstStyle/>
+          <a:p>
+            <a:pPr algn="ctr"/>
+            <a:r>
+              <a:rPr lang="ko-KR" altLang="en-US" sz="1200" b="1" spc="-150" dirty="0">
+                <a:solidFill>
+                  <a:schemeClr val="bg1"/>
+                </a:solidFill>
+              </a:rPr>
+              <a:t>중간 프로젝트 발표</a:t>
+            </a:r>
+          </a:p>
+        </p:txBody>
+      </p:sp>
     </p:spTree>
     <p:extLst>
       <p:ext uri="{BB962C8B-B14F-4D97-AF65-F5344CB8AC3E}">
@@ -16865,49 +17907,6 @@
       </p:sp>
       <p:sp>
         <p:nvSpPr>
-          <p:cNvPr id="17" name="TextBox 16"/>
-          <p:cNvSpPr txBox="1"/>
-          <p:nvPr/>
-        </p:nvSpPr>
-        <p:spPr>
-          <a:xfrm>
-            <a:off x="7164288" y="6546830"/>
-            <a:ext cx="1728192" cy="338554"/>
-          </a:xfrm>
-          <a:prstGeom prst="rect">
-            <a:avLst/>
-          </a:prstGeom>
-          <a:noFill/>
-        </p:spPr>
-        <p:txBody>
-          <a:bodyPr wrap="square" rtlCol="0">
-            <a:spAutoFit/>
-          </a:bodyPr>
-          <a:lstStyle/>
-          <a:p>
-            <a:pPr algn="r"/>
-            <a:r>
-              <a:rPr lang="en-US" altLang="ko-KR" sz="1600" dirty="0">
-                <a:solidFill>
-                  <a:schemeClr val="bg1">
-                    <a:lumMod val="75000"/>
-                  </a:schemeClr>
-                </a:solidFill>
-              </a:rPr>
-              <a:t>MINHEEBLOG</a:t>
-            </a:r>
-            <a:endParaRPr lang="ko-KR" altLang="en-US" sz="1600" dirty="0">
-              <a:solidFill>
-                <a:schemeClr val="bg1">
-                  <a:lumMod val="75000"/>
-                </a:schemeClr>
-              </a:solidFill>
-            </a:endParaRPr>
-          </a:p>
-        </p:txBody>
-      </p:sp>
-      <p:sp>
-        <p:nvSpPr>
           <p:cNvPr id="9" name="TextBox 8"/>
           <p:cNvSpPr txBox="1"/>
           <p:nvPr/>
@@ -17300,6 +18299,171 @@
           </a:prstGeom>
         </p:spPr>
       </p:pic>
+      <p:sp>
+        <p:nvSpPr>
+          <p:cNvPr id="15" name="TextBox 14">
+            <a:extLst>
+              <a:ext uri="{FF2B5EF4-FFF2-40B4-BE49-F238E27FC236}">
+                <a16:creationId xmlns:a16="http://schemas.microsoft.com/office/drawing/2014/main" id="{DB366755-B405-4EBB-983E-0B625C174AE3}"/>
+              </a:ext>
+            </a:extLst>
+          </p:cNvPr>
+          <p:cNvSpPr txBox="1"/>
+          <p:nvPr/>
+        </p:nvSpPr>
+        <p:spPr>
+          <a:xfrm>
+            <a:off x="5364088" y="271681"/>
+            <a:ext cx="3600400" cy="276999"/>
+          </a:xfrm>
+          <a:prstGeom prst="rect">
+            <a:avLst/>
+          </a:prstGeom>
+          <a:noFill/>
+        </p:spPr>
+        <p:txBody>
+          <a:bodyPr wrap="square" rtlCol="0">
+            <a:spAutoFit/>
+          </a:bodyPr>
+          <a:lstStyle/>
+          <a:p>
+            <a:pPr algn="dist"/>
+            <a:r>
+              <a:rPr lang="ko-KR" altLang="en-US" sz="1200" dirty="0" err="1">
+                <a:solidFill>
+                  <a:schemeClr val="bg1"/>
+                </a:solidFill>
+              </a:rPr>
+              <a:t>코세아</a:t>
+            </a:r>
+            <a:r>
+              <a:rPr lang="ko-KR" altLang="en-US" sz="1200" dirty="0">
+                <a:solidFill>
+                  <a:schemeClr val="bg1"/>
+                </a:solidFill>
+              </a:rPr>
+              <a:t> 인재 개발원 웹 개발자 과정 </a:t>
+            </a:r>
+            <a:r>
+              <a:rPr lang="en-US" altLang="ko-KR" sz="1200" dirty="0">
+                <a:solidFill>
+                  <a:schemeClr val="bg1"/>
+                </a:solidFill>
+              </a:rPr>
+              <a:t>31</a:t>
+            </a:r>
+            <a:r>
+              <a:rPr lang="ko-KR" altLang="en-US" sz="1200" dirty="0">
+                <a:solidFill>
+                  <a:schemeClr val="bg1"/>
+                </a:solidFill>
+              </a:rPr>
+              <a:t>기</a:t>
+            </a:r>
+          </a:p>
+        </p:txBody>
+      </p:sp>
+      <p:sp>
+        <p:nvSpPr>
+          <p:cNvPr id="16" name="TextBox 15">
+            <a:extLst>
+              <a:ext uri="{FF2B5EF4-FFF2-40B4-BE49-F238E27FC236}">
+                <a16:creationId xmlns:a16="http://schemas.microsoft.com/office/drawing/2014/main" id="{3DFCC9FE-1302-4BC7-959D-844ABA5A09C2}"/>
+              </a:ext>
+            </a:extLst>
+          </p:cNvPr>
+          <p:cNvSpPr txBox="1"/>
+          <p:nvPr/>
+        </p:nvSpPr>
+        <p:spPr>
+          <a:xfrm>
+            <a:off x="5724128" y="6577607"/>
+            <a:ext cx="3168352" cy="276999"/>
+          </a:xfrm>
+          <a:prstGeom prst="rect">
+            <a:avLst/>
+          </a:prstGeom>
+          <a:noFill/>
+        </p:spPr>
+        <p:txBody>
+          <a:bodyPr wrap="square" rtlCol="0">
+            <a:spAutoFit/>
+          </a:bodyPr>
+          <a:lstStyle/>
+          <a:p>
+            <a:pPr algn="r"/>
+            <a:r>
+              <a:rPr lang="ko-KR" altLang="en-US" sz="1200" dirty="0">
+                <a:solidFill>
+                  <a:schemeClr val="bg1">
+                    <a:lumMod val="75000"/>
+                  </a:schemeClr>
+                </a:solidFill>
+              </a:rPr>
+              <a:t>쇼핑몰 재고 관리 시스템 </a:t>
+            </a:r>
+            <a:r>
+              <a:rPr lang="en-US" altLang="ko-KR" sz="1200" dirty="0">
+                <a:solidFill>
+                  <a:schemeClr val="bg1">
+                    <a:lumMod val="75000"/>
+                  </a:schemeClr>
+                </a:solidFill>
+              </a:rPr>
+              <a:t>- </a:t>
+            </a:r>
+            <a:r>
+              <a:rPr lang="ko-KR" altLang="en-US" sz="1200" dirty="0">
+                <a:solidFill>
+                  <a:schemeClr val="bg1">
+                    <a:lumMod val="75000"/>
+                  </a:schemeClr>
+                </a:solidFill>
+              </a:rPr>
+              <a:t>김준형</a:t>
+            </a:r>
+          </a:p>
+        </p:txBody>
+      </p:sp>
+      <p:sp>
+        <p:nvSpPr>
+          <p:cNvPr id="18" name="직사각형 17">
+            <a:extLst>
+              <a:ext uri="{FF2B5EF4-FFF2-40B4-BE49-F238E27FC236}">
+                <a16:creationId xmlns:a16="http://schemas.microsoft.com/office/drawing/2014/main" id="{C050A148-6086-4D2B-8B83-7FCEC0ECBF77}"/>
+              </a:ext>
+            </a:extLst>
+          </p:cNvPr>
+          <p:cNvSpPr/>
+          <p:nvPr/>
+        </p:nvSpPr>
+        <p:spPr>
+          <a:xfrm>
+            <a:off x="201838" y="271681"/>
+            <a:ext cx="1332416" cy="276999"/>
+          </a:xfrm>
+          <a:prstGeom prst="rect">
+            <a:avLst/>
+          </a:prstGeom>
+        </p:spPr>
+        <p:txBody>
+          <a:bodyPr wrap="none">
+            <a:spAutoFit/>
+          </a:bodyPr>
+          <a:lstStyle/>
+          <a:p>
+            <a:pPr algn="ctr"/>
+            <a:r>
+              <a:rPr lang="ko-KR" altLang="en-US" sz="1200" b="1" spc="-150" dirty="0">
+                <a:solidFill>
+                  <a:schemeClr val="bg1"/>
+                </a:solidFill>
+              </a:rPr>
+              <a:t>중간 프로젝트 발표</a:t>
+            </a:r>
+          </a:p>
+        </p:txBody>
+      </p:sp>
     </p:spTree>
     <p:extLst>
       <p:ext uri="{BB962C8B-B14F-4D97-AF65-F5344CB8AC3E}">
@@ -17533,49 +18697,6 @@
       </p:sp>
       <p:sp>
         <p:nvSpPr>
-          <p:cNvPr id="17" name="TextBox 16"/>
-          <p:cNvSpPr txBox="1"/>
-          <p:nvPr/>
-        </p:nvSpPr>
-        <p:spPr>
-          <a:xfrm>
-            <a:off x="7164288" y="6546830"/>
-            <a:ext cx="1728192" cy="338554"/>
-          </a:xfrm>
-          <a:prstGeom prst="rect">
-            <a:avLst/>
-          </a:prstGeom>
-          <a:noFill/>
-        </p:spPr>
-        <p:txBody>
-          <a:bodyPr wrap="square" rtlCol="0">
-            <a:spAutoFit/>
-          </a:bodyPr>
-          <a:lstStyle/>
-          <a:p>
-            <a:pPr algn="r"/>
-            <a:r>
-              <a:rPr lang="en-US" altLang="ko-KR" sz="1600" dirty="0">
-                <a:solidFill>
-                  <a:schemeClr val="bg1">
-                    <a:lumMod val="75000"/>
-                  </a:schemeClr>
-                </a:solidFill>
-              </a:rPr>
-              <a:t>MINHEEBLOG</a:t>
-            </a:r>
-            <a:endParaRPr lang="ko-KR" altLang="en-US" sz="1600" dirty="0">
-              <a:solidFill>
-                <a:schemeClr val="bg1">
-                  <a:lumMod val="75000"/>
-                </a:schemeClr>
-              </a:solidFill>
-            </a:endParaRPr>
-          </a:p>
-        </p:txBody>
-      </p:sp>
-      <p:sp>
-        <p:nvSpPr>
           <p:cNvPr id="9" name="TextBox 8"/>
           <p:cNvSpPr txBox="1"/>
           <p:nvPr/>
@@ -17824,6 +18945,171 @@
           </a:prstGeom>
         </p:spPr>
       </p:pic>
+      <p:sp>
+        <p:nvSpPr>
+          <p:cNvPr id="18" name="TextBox 17">
+            <a:extLst>
+              <a:ext uri="{FF2B5EF4-FFF2-40B4-BE49-F238E27FC236}">
+                <a16:creationId xmlns:a16="http://schemas.microsoft.com/office/drawing/2014/main" id="{3FA1C1EF-1ABC-4EAF-A5BB-D5529ADA38CA}"/>
+              </a:ext>
+            </a:extLst>
+          </p:cNvPr>
+          <p:cNvSpPr txBox="1"/>
+          <p:nvPr/>
+        </p:nvSpPr>
+        <p:spPr>
+          <a:xfrm>
+            <a:off x="5364088" y="271681"/>
+            <a:ext cx="3600400" cy="276999"/>
+          </a:xfrm>
+          <a:prstGeom prst="rect">
+            <a:avLst/>
+          </a:prstGeom>
+          <a:noFill/>
+        </p:spPr>
+        <p:txBody>
+          <a:bodyPr wrap="square" rtlCol="0">
+            <a:spAutoFit/>
+          </a:bodyPr>
+          <a:lstStyle/>
+          <a:p>
+            <a:pPr algn="dist"/>
+            <a:r>
+              <a:rPr lang="ko-KR" altLang="en-US" sz="1200" dirty="0" err="1">
+                <a:solidFill>
+                  <a:schemeClr val="bg1"/>
+                </a:solidFill>
+              </a:rPr>
+              <a:t>코세아</a:t>
+            </a:r>
+            <a:r>
+              <a:rPr lang="ko-KR" altLang="en-US" sz="1200" dirty="0">
+                <a:solidFill>
+                  <a:schemeClr val="bg1"/>
+                </a:solidFill>
+              </a:rPr>
+              <a:t> 인재 개발원 웹 개발자 과정 </a:t>
+            </a:r>
+            <a:r>
+              <a:rPr lang="en-US" altLang="ko-KR" sz="1200" dirty="0">
+                <a:solidFill>
+                  <a:schemeClr val="bg1"/>
+                </a:solidFill>
+              </a:rPr>
+              <a:t>31</a:t>
+            </a:r>
+            <a:r>
+              <a:rPr lang="ko-KR" altLang="en-US" sz="1200" dirty="0">
+                <a:solidFill>
+                  <a:schemeClr val="bg1"/>
+                </a:solidFill>
+              </a:rPr>
+              <a:t>기</a:t>
+            </a:r>
+          </a:p>
+        </p:txBody>
+      </p:sp>
+      <p:sp>
+        <p:nvSpPr>
+          <p:cNvPr id="19" name="TextBox 18">
+            <a:extLst>
+              <a:ext uri="{FF2B5EF4-FFF2-40B4-BE49-F238E27FC236}">
+                <a16:creationId xmlns:a16="http://schemas.microsoft.com/office/drawing/2014/main" id="{17F4161F-9708-4C21-8A72-918299F60A04}"/>
+              </a:ext>
+            </a:extLst>
+          </p:cNvPr>
+          <p:cNvSpPr txBox="1"/>
+          <p:nvPr/>
+        </p:nvSpPr>
+        <p:spPr>
+          <a:xfrm>
+            <a:off x="5724128" y="6577607"/>
+            <a:ext cx="3168352" cy="276999"/>
+          </a:xfrm>
+          <a:prstGeom prst="rect">
+            <a:avLst/>
+          </a:prstGeom>
+          <a:noFill/>
+        </p:spPr>
+        <p:txBody>
+          <a:bodyPr wrap="square" rtlCol="0">
+            <a:spAutoFit/>
+          </a:bodyPr>
+          <a:lstStyle/>
+          <a:p>
+            <a:pPr algn="r"/>
+            <a:r>
+              <a:rPr lang="ko-KR" altLang="en-US" sz="1200" dirty="0">
+                <a:solidFill>
+                  <a:schemeClr val="bg1">
+                    <a:lumMod val="75000"/>
+                  </a:schemeClr>
+                </a:solidFill>
+              </a:rPr>
+              <a:t>쇼핑몰 재고 관리 시스템 </a:t>
+            </a:r>
+            <a:r>
+              <a:rPr lang="en-US" altLang="ko-KR" sz="1200" dirty="0">
+                <a:solidFill>
+                  <a:schemeClr val="bg1">
+                    <a:lumMod val="75000"/>
+                  </a:schemeClr>
+                </a:solidFill>
+              </a:rPr>
+              <a:t>- </a:t>
+            </a:r>
+            <a:r>
+              <a:rPr lang="ko-KR" altLang="en-US" sz="1200" dirty="0">
+                <a:solidFill>
+                  <a:schemeClr val="bg1">
+                    <a:lumMod val="75000"/>
+                  </a:schemeClr>
+                </a:solidFill>
+              </a:rPr>
+              <a:t>김준형</a:t>
+            </a:r>
+          </a:p>
+        </p:txBody>
+      </p:sp>
+      <p:sp>
+        <p:nvSpPr>
+          <p:cNvPr id="20" name="직사각형 19">
+            <a:extLst>
+              <a:ext uri="{FF2B5EF4-FFF2-40B4-BE49-F238E27FC236}">
+                <a16:creationId xmlns:a16="http://schemas.microsoft.com/office/drawing/2014/main" id="{D79F02A4-17DD-445B-A8C0-9B093D6A0103}"/>
+              </a:ext>
+            </a:extLst>
+          </p:cNvPr>
+          <p:cNvSpPr/>
+          <p:nvPr/>
+        </p:nvSpPr>
+        <p:spPr>
+          <a:xfrm>
+            <a:off x="201838" y="271681"/>
+            <a:ext cx="1332416" cy="276999"/>
+          </a:xfrm>
+          <a:prstGeom prst="rect">
+            <a:avLst/>
+          </a:prstGeom>
+        </p:spPr>
+        <p:txBody>
+          <a:bodyPr wrap="none">
+            <a:spAutoFit/>
+          </a:bodyPr>
+          <a:lstStyle/>
+          <a:p>
+            <a:pPr algn="ctr"/>
+            <a:r>
+              <a:rPr lang="ko-KR" altLang="en-US" sz="1200" b="1" spc="-150" dirty="0">
+                <a:solidFill>
+                  <a:schemeClr val="bg1"/>
+                </a:solidFill>
+              </a:rPr>
+              <a:t>중간 프로젝트 발표</a:t>
+            </a:r>
+          </a:p>
+        </p:txBody>
+      </p:sp>
     </p:spTree>
     <p:extLst>
       <p:ext uri="{BB962C8B-B14F-4D97-AF65-F5344CB8AC3E}">
@@ -18895,45 +20181,6 @@
           </a:p>
         </p:txBody>
       </p:sp>
-      <p:sp>
-        <p:nvSpPr>
-          <p:cNvPr id="31" name="TextBox 30"/>
-          <p:cNvSpPr txBox="1"/>
-          <p:nvPr/>
-        </p:nvSpPr>
-        <p:spPr>
-          <a:xfrm>
-            <a:off x="2915816" y="6084004"/>
-            <a:ext cx="3600400" cy="338554"/>
-          </a:xfrm>
-          <a:prstGeom prst="rect">
-            <a:avLst/>
-          </a:prstGeom>
-          <a:noFill/>
-        </p:spPr>
-        <p:txBody>
-          <a:bodyPr wrap="square" rtlCol="0">
-            <a:spAutoFit/>
-          </a:bodyPr>
-          <a:lstStyle/>
-          <a:p>
-            <a:pPr algn="ctr"/>
-            <a:r>
-              <a:rPr lang="en-US" altLang="ko-KR" sz="1600" dirty="0">
-                <a:solidFill>
-                  <a:schemeClr val="bg1"/>
-                </a:solidFill>
-              </a:rPr>
-              <a:t>2020-06-24</a:t>
-            </a:r>
-            <a:endParaRPr lang="ko-KR" altLang="en-US" sz="1600" dirty="0">
-              <a:solidFill>
-                <a:schemeClr val="bg1"/>
-              </a:solidFill>
-            </a:endParaRPr>
-          </a:p>
-        </p:txBody>
-      </p:sp>
     </p:spTree>
   </p:cSld>
   <p:clrMapOvr>
@@ -19204,6 +20451,171 @@
           </a:p>
         </p:txBody>
       </p:sp>
+      <p:sp>
+        <p:nvSpPr>
+          <p:cNvPr id="8" name="TextBox 7">
+            <a:extLst>
+              <a:ext uri="{FF2B5EF4-FFF2-40B4-BE49-F238E27FC236}">
+                <a16:creationId xmlns:a16="http://schemas.microsoft.com/office/drawing/2014/main" id="{0744A950-7222-4A45-883D-B3ED85A29C6E}"/>
+              </a:ext>
+            </a:extLst>
+          </p:cNvPr>
+          <p:cNvSpPr txBox="1"/>
+          <p:nvPr/>
+        </p:nvSpPr>
+        <p:spPr>
+          <a:xfrm>
+            <a:off x="5364088" y="271681"/>
+            <a:ext cx="3600400" cy="276999"/>
+          </a:xfrm>
+          <a:prstGeom prst="rect">
+            <a:avLst/>
+          </a:prstGeom>
+          <a:noFill/>
+        </p:spPr>
+        <p:txBody>
+          <a:bodyPr wrap="square" rtlCol="0">
+            <a:spAutoFit/>
+          </a:bodyPr>
+          <a:lstStyle/>
+          <a:p>
+            <a:pPr algn="dist"/>
+            <a:r>
+              <a:rPr lang="ko-KR" altLang="en-US" sz="1200" dirty="0" err="1">
+                <a:solidFill>
+                  <a:schemeClr val="bg1"/>
+                </a:solidFill>
+              </a:rPr>
+              <a:t>코세아</a:t>
+            </a:r>
+            <a:r>
+              <a:rPr lang="ko-KR" altLang="en-US" sz="1200" dirty="0">
+                <a:solidFill>
+                  <a:schemeClr val="bg1"/>
+                </a:solidFill>
+              </a:rPr>
+              <a:t> 인재 개발원 웹 개발자 과정 </a:t>
+            </a:r>
+            <a:r>
+              <a:rPr lang="en-US" altLang="ko-KR" sz="1200" dirty="0">
+                <a:solidFill>
+                  <a:schemeClr val="bg1"/>
+                </a:solidFill>
+              </a:rPr>
+              <a:t>31</a:t>
+            </a:r>
+            <a:r>
+              <a:rPr lang="ko-KR" altLang="en-US" sz="1200" dirty="0">
+                <a:solidFill>
+                  <a:schemeClr val="bg1"/>
+                </a:solidFill>
+              </a:rPr>
+              <a:t>기</a:t>
+            </a:r>
+          </a:p>
+        </p:txBody>
+      </p:sp>
+      <p:sp>
+        <p:nvSpPr>
+          <p:cNvPr id="10" name="TextBox 9">
+            <a:extLst>
+              <a:ext uri="{FF2B5EF4-FFF2-40B4-BE49-F238E27FC236}">
+                <a16:creationId xmlns:a16="http://schemas.microsoft.com/office/drawing/2014/main" id="{79077D59-E0E4-44B1-A9EF-49CD973B6C5F}"/>
+              </a:ext>
+            </a:extLst>
+          </p:cNvPr>
+          <p:cNvSpPr txBox="1"/>
+          <p:nvPr/>
+        </p:nvSpPr>
+        <p:spPr>
+          <a:xfrm>
+            <a:off x="5724128" y="6577607"/>
+            <a:ext cx="3168352" cy="276999"/>
+          </a:xfrm>
+          <a:prstGeom prst="rect">
+            <a:avLst/>
+          </a:prstGeom>
+          <a:noFill/>
+        </p:spPr>
+        <p:txBody>
+          <a:bodyPr wrap="square" rtlCol="0">
+            <a:spAutoFit/>
+          </a:bodyPr>
+          <a:lstStyle/>
+          <a:p>
+            <a:pPr algn="r"/>
+            <a:r>
+              <a:rPr lang="ko-KR" altLang="en-US" sz="1200" dirty="0">
+                <a:solidFill>
+                  <a:schemeClr val="bg1">
+                    <a:lumMod val="75000"/>
+                  </a:schemeClr>
+                </a:solidFill>
+              </a:rPr>
+              <a:t>쇼핑몰 재고 관리 시스템 </a:t>
+            </a:r>
+            <a:r>
+              <a:rPr lang="en-US" altLang="ko-KR" sz="1200" dirty="0">
+                <a:solidFill>
+                  <a:schemeClr val="bg1">
+                    <a:lumMod val="75000"/>
+                  </a:schemeClr>
+                </a:solidFill>
+              </a:rPr>
+              <a:t>- </a:t>
+            </a:r>
+            <a:r>
+              <a:rPr lang="ko-KR" altLang="en-US" sz="1200" dirty="0">
+                <a:solidFill>
+                  <a:schemeClr val="bg1">
+                    <a:lumMod val="75000"/>
+                  </a:schemeClr>
+                </a:solidFill>
+              </a:rPr>
+              <a:t>김준형</a:t>
+            </a:r>
+          </a:p>
+        </p:txBody>
+      </p:sp>
+      <p:sp>
+        <p:nvSpPr>
+          <p:cNvPr id="11" name="직사각형 10">
+            <a:extLst>
+              <a:ext uri="{FF2B5EF4-FFF2-40B4-BE49-F238E27FC236}">
+                <a16:creationId xmlns:a16="http://schemas.microsoft.com/office/drawing/2014/main" id="{B9447C59-C197-4FCB-BAA7-FDEADB97EA8C}"/>
+              </a:ext>
+            </a:extLst>
+          </p:cNvPr>
+          <p:cNvSpPr/>
+          <p:nvPr/>
+        </p:nvSpPr>
+        <p:spPr>
+          <a:xfrm>
+            <a:off x="201838" y="271681"/>
+            <a:ext cx="1332416" cy="276999"/>
+          </a:xfrm>
+          <a:prstGeom prst="rect">
+            <a:avLst/>
+          </a:prstGeom>
+        </p:spPr>
+        <p:txBody>
+          <a:bodyPr wrap="none">
+            <a:spAutoFit/>
+          </a:bodyPr>
+          <a:lstStyle/>
+          <a:p>
+            <a:pPr algn="ctr"/>
+            <a:r>
+              <a:rPr lang="ko-KR" altLang="en-US" sz="1200" b="1" spc="-150" dirty="0">
+                <a:solidFill>
+                  <a:schemeClr val="bg1"/>
+                </a:solidFill>
+              </a:rPr>
+              <a:t>중간 프로젝트 발표</a:t>
+            </a:r>
+          </a:p>
+        </p:txBody>
+      </p:sp>
     </p:spTree>
   </p:cSld>
   <p:clrMapOvr>
@@ -19335,64 +20747,6 @@
       </p:sp>
       <p:sp>
         <p:nvSpPr>
-          <p:cNvPr id="4" name="TextBox 3"/>
-          <p:cNvSpPr txBox="1"/>
-          <p:nvPr/>
-        </p:nvSpPr>
-        <p:spPr>
-          <a:xfrm>
-            <a:off x="5364088" y="271681"/>
-            <a:ext cx="3600400" cy="276999"/>
-          </a:xfrm>
-          <a:prstGeom prst="rect">
-            <a:avLst/>
-          </a:prstGeom>
-          <a:noFill/>
-        </p:spPr>
-        <p:txBody>
-          <a:bodyPr wrap="square" rtlCol="0">
-            <a:spAutoFit/>
-          </a:bodyPr>
-          <a:lstStyle/>
-          <a:p>
-            <a:pPr algn="dist"/>
-            <a:r>
-              <a:rPr lang="ko-KR" altLang="en-US" sz="1200" b="1" dirty="0" err="1">
-                <a:solidFill>
-                  <a:schemeClr val="bg1"/>
-                </a:solidFill>
-              </a:rPr>
-              <a:t>코세아</a:t>
-            </a:r>
-            <a:r>
-              <a:rPr lang="ko-KR" altLang="en-US" sz="1200" b="1" dirty="0">
-                <a:solidFill>
-                  <a:schemeClr val="bg1"/>
-                </a:solidFill>
-              </a:rPr>
-              <a:t> 인재개발원 </a:t>
-            </a:r>
-            <a:r>
-              <a:rPr lang="en-US" altLang="ko-KR" sz="1200" b="1" dirty="0">
-                <a:solidFill>
-                  <a:schemeClr val="bg1"/>
-                </a:solidFill>
-              </a:rPr>
-              <a:t>31</a:t>
-            </a:r>
-            <a:r>
-              <a:rPr lang="ko-KR" altLang="en-US" sz="1200" b="1" dirty="0">
-                <a:solidFill>
-                  <a:schemeClr val="bg1"/>
-                </a:solidFill>
-              </a:rPr>
-              <a:t>기 중간 프로젝트 발표</a:t>
-            </a:r>
-          </a:p>
-        </p:txBody>
-      </p:sp>
-      <p:sp>
-        <p:nvSpPr>
           <p:cNvPr id="7" name="TextBox 6"/>
           <p:cNvSpPr txBox="1"/>
           <p:nvPr/>
@@ -20374,6 +21728,171 @@
           </a:fontRef>
         </p:style>
       </p:cxnSp>
+      <p:sp>
+        <p:nvSpPr>
+          <p:cNvPr id="17" name="TextBox 16">
+            <a:extLst>
+              <a:ext uri="{FF2B5EF4-FFF2-40B4-BE49-F238E27FC236}">
+                <a16:creationId xmlns:a16="http://schemas.microsoft.com/office/drawing/2014/main" id="{1163B4F8-3DA1-4683-98BB-625A92C3AECF}"/>
+              </a:ext>
+            </a:extLst>
+          </p:cNvPr>
+          <p:cNvSpPr txBox="1"/>
+          <p:nvPr/>
+        </p:nvSpPr>
+        <p:spPr>
+          <a:xfrm>
+            <a:off x="5364088" y="271681"/>
+            <a:ext cx="3600400" cy="276999"/>
+          </a:xfrm>
+          <a:prstGeom prst="rect">
+            <a:avLst/>
+          </a:prstGeom>
+          <a:noFill/>
+        </p:spPr>
+        <p:txBody>
+          <a:bodyPr wrap="square" rtlCol="0">
+            <a:spAutoFit/>
+          </a:bodyPr>
+          <a:lstStyle/>
+          <a:p>
+            <a:pPr algn="dist"/>
+            <a:r>
+              <a:rPr lang="ko-KR" altLang="en-US" sz="1200" dirty="0" err="1">
+                <a:solidFill>
+                  <a:schemeClr val="bg1"/>
+                </a:solidFill>
+              </a:rPr>
+              <a:t>코세아</a:t>
+            </a:r>
+            <a:r>
+              <a:rPr lang="ko-KR" altLang="en-US" sz="1200" dirty="0">
+                <a:solidFill>
+                  <a:schemeClr val="bg1"/>
+                </a:solidFill>
+              </a:rPr>
+              <a:t> 인재 개발원 웹 개발자 과정 </a:t>
+            </a:r>
+            <a:r>
+              <a:rPr lang="en-US" altLang="ko-KR" sz="1200" dirty="0">
+                <a:solidFill>
+                  <a:schemeClr val="bg1"/>
+                </a:solidFill>
+              </a:rPr>
+              <a:t>31</a:t>
+            </a:r>
+            <a:r>
+              <a:rPr lang="ko-KR" altLang="en-US" sz="1200" dirty="0">
+                <a:solidFill>
+                  <a:schemeClr val="bg1"/>
+                </a:solidFill>
+              </a:rPr>
+              <a:t>기</a:t>
+            </a:r>
+          </a:p>
+        </p:txBody>
+      </p:sp>
+      <p:sp>
+        <p:nvSpPr>
+          <p:cNvPr id="19" name="TextBox 18">
+            <a:extLst>
+              <a:ext uri="{FF2B5EF4-FFF2-40B4-BE49-F238E27FC236}">
+                <a16:creationId xmlns:a16="http://schemas.microsoft.com/office/drawing/2014/main" id="{AE96F73E-B1B2-4A70-9753-09EC63BA3B41}"/>
+              </a:ext>
+            </a:extLst>
+          </p:cNvPr>
+          <p:cNvSpPr txBox="1"/>
+          <p:nvPr/>
+        </p:nvSpPr>
+        <p:spPr>
+          <a:xfrm>
+            <a:off x="5724128" y="6577607"/>
+            <a:ext cx="3168352" cy="276999"/>
+          </a:xfrm>
+          <a:prstGeom prst="rect">
+            <a:avLst/>
+          </a:prstGeom>
+          <a:noFill/>
+        </p:spPr>
+        <p:txBody>
+          <a:bodyPr wrap="square" rtlCol="0">
+            <a:spAutoFit/>
+          </a:bodyPr>
+          <a:lstStyle/>
+          <a:p>
+            <a:pPr algn="r"/>
+            <a:r>
+              <a:rPr lang="ko-KR" altLang="en-US" sz="1200" dirty="0">
+                <a:solidFill>
+                  <a:schemeClr val="bg1">
+                    <a:lumMod val="75000"/>
+                  </a:schemeClr>
+                </a:solidFill>
+              </a:rPr>
+              <a:t>쇼핑몰 재고 관리 시스템 </a:t>
+            </a:r>
+            <a:r>
+              <a:rPr lang="en-US" altLang="ko-KR" sz="1200" dirty="0">
+                <a:solidFill>
+                  <a:schemeClr val="bg1">
+                    <a:lumMod val="75000"/>
+                  </a:schemeClr>
+                </a:solidFill>
+              </a:rPr>
+              <a:t>- </a:t>
+            </a:r>
+            <a:r>
+              <a:rPr lang="ko-KR" altLang="en-US" sz="1200" dirty="0">
+                <a:solidFill>
+                  <a:schemeClr val="bg1">
+                    <a:lumMod val="75000"/>
+                  </a:schemeClr>
+                </a:solidFill>
+              </a:rPr>
+              <a:t>김준형</a:t>
+            </a:r>
+          </a:p>
+        </p:txBody>
+      </p:sp>
+      <p:sp>
+        <p:nvSpPr>
+          <p:cNvPr id="20" name="직사각형 19">
+            <a:extLst>
+              <a:ext uri="{FF2B5EF4-FFF2-40B4-BE49-F238E27FC236}">
+                <a16:creationId xmlns:a16="http://schemas.microsoft.com/office/drawing/2014/main" id="{6C1ECFD9-69F6-4616-888C-58486987DFB1}"/>
+              </a:ext>
+            </a:extLst>
+          </p:cNvPr>
+          <p:cNvSpPr/>
+          <p:nvPr/>
+        </p:nvSpPr>
+        <p:spPr>
+          <a:xfrm>
+            <a:off x="201838" y="271681"/>
+            <a:ext cx="1332416" cy="276999"/>
+          </a:xfrm>
+          <a:prstGeom prst="rect">
+            <a:avLst/>
+          </a:prstGeom>
+        </p:spPr>
+        <p:txBody>
+          <a:bodyPr wrap="none">
+            <a:spAutoFit/>
+          </a:bodyPr>
+          <a:lstStyle/>
+          <a:p>
+            <a:pPr algn="ctr"/>
+            <a:r>
+              <a:rPr lang="ko-KR" altLang="en-US" sz="1200" b="1" spc="-150" dirty="0">
+                <a:solidFill>
+                  <a:schemeClr val="bg1"/>
+                </a:solidFill>
+              </a:rPr>
+              <a:t>중간 프로젝트 발표</a:t>
+            </a:r>
+          </a:p>
+        </p:txBody>
+      </p:sp>
     </p:spTree>
     <p:extLst>
       <p:ext uri="{BB962C8B-B14F-4D97-AF65-F5344CB8AC3E}">
@@ -20655,6 +22174,171 @@
           </a:graphicData>
         </a:graphic>
       </p:graphicFrame>
+      <p:sp>
+        <p:nvSpPr>
+          <p:cNvPr id="8" name="TextBox 7">
+            <a:extLst>
+              <a:ext uri="{FF2B5EF4-FFF2-40B4-BE49-F238E27FC236}">
+                <a16:creationId xmlns:a16="http://schemas.microsoft.com/office/drawing/2014/main" id="{B16F410E-84CF-4535-8B6C-D7EA04D337B0}"/>
+              </a:ext>
+            </a:extLst>
+          </p:cNvPr>
+          <p:cNvSpPr txBox="1"/>
+          <p:nvPr/>
+        </p:nvSpPr>
+        <p:spPr>
+          <a:xfrm>
+            <a:off x="5364088" y="271681"/>
+            <a:ext cx="3600400" cy="276999"/>
+          </a:xfrm>
+          <a:prstGeom prst="rect">
+            <a:avLst/>
+          </a:prstGeom>
+          <a:noFill/>
+        </p:spPr>
+        <p:txBody>
+          <a:bodyPr wrap="square" rtlCol="0">
+            <a:spAutoFit/>
+          </a:bodyPr>
+          <a:lstStyle/>
+          <a:p>
+            <a:pPr algn="dist"/>
+            <a:r>
+              <a:rPr lang="ko-KR" altLang="en-US" sz="1200" dirty="0" err="1">
+                <a:solidFill>
+                  <a:schemeClr val="bg1"/>
+                </a:solidFill>
+              </a:rPr>
+              <a:t>코세아</a:t>
+            </a:r>
+            <a:r>
+              <a:rPr lang="ko-KR" altLang="en-US" sz="1200" dirty="0">
+                <a:solidFill>
+                  <a:schemeClr val="bg1"/>
+                </a:solidFill>
+              </a:rPr>
+              <a:t> 인재 개발원 웹 개발자 과정 </a:t>
+            </a:r>
+            <a:r>
+              <a:rPr lang="en-US" altLang="ko-KR" sz="1200" dirty="0">
+                <a:solidFill>
+                  <a:schemeClr val="bg1"/>
+                </a:solidFill>
+              </a:rPr>
+              <a:t>31</a:t>
+            </a:r>
+            <a:r>
+              <a:rPr lang="ko-KR" altLang="en-US" sz="1200" dirty="0">
+                <a:solidFill>
+                  <a:schemeClr val="bg1"/>
+                </a:solidFill>
+              </a:rPr>
+              <a:t>기</a:t>
+            </a:r>
+          </a:p>
+        </p:txBody>
+      </p:sp>
+      <p:sp>
+        <p:nvSpPr>
+          <p:cNvPr id="10" name="TextBox 9">
+            <a:extLst>
+              <a:ext uri="{FF2B5EF4-FFF2-40B4-BE49-F238E27FC236}">
+                <a16:creationId xmlns:a16="http://schemas.microsoft.com/office/drawing/2014/main" id="{9BB101DF-322F-4638-A1B4-5078257B9012}"/>
+              </a:ext>
+            </a:extLst>
+          </p:cNvPr>
+          <p:cNvSpPr txBox="1"/>
+          <p:nvPr/>
+        </p:nvSpPr>
+        <p:spPr>
+          <a:xfrm>
+            <a:off x="5724128" y="6577607"/>
+            <a:ext cx="3168352" cy="276999"/>
+          </a:xfrm>
+          <a:prstGeom prst="rect">
+            <a:avLst/>
+          </a:prstGeom>
+          <a:noFill/>
+        </p:spPr>
+        <p:txBody>
+          <a:bodyPr wrap="square" rtlCol="0">
+            <a:spAutoFit/>
+          </a:bodyPr>
+          <a:lstStyle/>
+          <a:p>
+            <a:pPr algn="r"/>
+            <a:r>
+              <a:rPr lang="ko-KR" altLang="en-US" sz="1200" dirty="0">
+                <a:solidFill>
+                  <a:schemeClr val="bg1">
+                    <a:lumMod val="75000"/>
+                  </a:schemeClr>
+                </a:solidFill>
+              </a:rPr>
+              <a:t>쇼핑몰 재고 관리 시스템 </a:t>
+            </a:r>
+            <a:r>
+              <a:rPr lang="en-US" altLang="ko-KR" sz="1200" dirty="0">
+                <a:solidFill>
+                  <a:schemeClr val="bg1">
+                    <a:lumMod val="75000"/>
+                  </a:schemeClr>
+                </a:solidFill>
+              </a:rPr>
+              <a:t>- </a:t>
+            </a:r>
+            <a:r>
+              <a:rPr lang="ko-KR" altLang="en-US" sz="1200" dirty="0">
+                <a:solidFill>
+                  <a:schemeClr val="bg1">
+                    <a:lumMod val="75000"/>
+                  </a:schemeClr>
+                </a:solidFill>
+              </a:rPr>
+              <a:t>김준형</a:t>
+            </a:r>
+          </a:p>
+        </p:txBody>
+      </p:sp>
+      <p:sp>
+        <p:nvSpPr>
+          <p:cNvPr id="11" name="직사각형 10">
+            <a:extLst>
+              <a:ext uri="{FF2B5EF4-FFF2-40B4-BE49-F238E27FC236}">
+                <a16:creationId xmlns:a16="http://schemas.microsoft.com/office/drawing/2014/main" id="{3F1574B2-EF2E-4E88-B005-B103C1C78697}"/>
+              </a:ext>
+            </a:extLst>
+          </p:cNvPr>
+          <p:cNvSpPr/>
+          <p:nvPr/>
+        </p:nvSpPr>
+        <p:spPr>
+          <a:xfrm>
+            <a:off x="201838" y="271681"/>
+            <a:ext cx="1332416" cy="276999"/>
+          </a:xfrm>
+          <a:prstGeom prst="rect">
+            <a:avLst/>
+          </a:prstGeom>
+        </p:spPr>
+        <p:txBody>
+          <a:bodyPr wrap="none">
+            <a:spAutoFit/>
+          </a:bodyPr>
+          <a:lstStyle/>
+          <a:p>
+            <a:pPr algn="ctr"/>
+            <a:r>
+              <a:rPr lang="ko-KR" altLang="en-US" sz="1200" b="1" spc="-150" dirty="0">
+                <a:solidFill>
+                  <a:schemeClr val="bg1"/>
+                </a:solidFill>
+              </a:rPr>
+              <a:t>중간 프로젝트 발표</a:t>
+            </a:r>
+          </a:p>
+        </p:txBody>
+      </p:sp>
     </p:spTree>
     <p:extLst>
       <p:ext uri="{BB962C8B-B14F-4D97-AF65-F5344CB8AC3E}">
@@ -20890,100 +22574,6 @@
       </p:sp>
       <p:sp>
         <p:nvSpPr>
-          <p:cNvPr id="4" name="TextBox 3"/>
-          <p:cNvSpPr txBox="1"/>
-          <p:nvPr/>
-        </p:nvSpPr>
-        <p:spPr>
-          <a:xfrm>
-            <a:off x="5364088" y="271681"/>
-            <a:ext cx="3600400" cy="276999"/>
-          </a:xfrm>
-          <a:prstGeom prst="rect">
-            <a:avLst/>
-          </a:prstGeom>
-          <a:noFill/>
-        </p:spPr>
-        <p:txBody>
-          <a:bodyPr wrap="square" rtlCol="0">
-            <a:spAutoFit/>
-          </a:bodyPr>
-          <a:lstStyle/>
-          <a:p>
-            <a:pPr algn="dist"/>
-            <a:r>
-              <a:rPr lang="ko-KR" altLang="en-US" sz="1200" dirty="0" err="1">
-                <a:solidFill>
-                  <a:schemeClr val="bg1"/>
-                </a:solidFill>
-              </a:rPr>
-              <a:t>코세아</a:t>
-            </a:r>
-            <a:r>
-              <a:rPr lang="ko-KR" altLang="en-US" sz="1200" dirty="0">
-                <a:solidFill>
-                  <a:schemeClr val="bg1"/>
-                </a:solidFill>
-              </a:rPr>
-              <a:t> 인재 개발원 웹 개발자 과정 </a:t>
-            </a:r>
-            <a:r>
-              <a:rPr lang="en-US" altLang="ko-KR" sz="1200" dirty="0">
-                <a:solidFill>
-                  <a:schemeClr val="bg1"/>
-                </a:solidFill>
-              </a:rPr>
-              <a:t>31</a:t>
-            </a:r>
-            <a:r>
-              <a:rPr lang="ko-KR" altLang="en-US" sz="1200" dirty="0">
-                <a:solidFill>
-                  <a:schemeClr val="bg1"/>
-                </a:solidFill>
-              </a:rPr>
-              <a:t>기</a:t>
-            </a:r>
-          </a:p>
-        </p:txBody>
-      </p:sp>
-      <p:sp>
-        <p:nvSpPr>
-          <p:cNvPr id="6" name="TextBox 5"/>
-          <p:cNvSpPr txBox="1"/>
-          <p:nvPr/>
-        </p:nvSpPr>
-        <p:spPr>
-          <a:xfrm>
-            <a:off x="7164288" y="6546830"/>
-            <a:ext cx="1728192" cy="338554"/>
-          </a:xfrm>
-          <a:prstGeom prst="rect">
-            <a:avLst/>
-          </a:prstGeom>
-          <a:noFill/>
-        </p:spPr>
-        <p:txBody>
-          <a:bodyPr wrap="square" rtlCol="0">
-            <a:spAutoFit/>
-          </a:bodyPr>
-          <a:lstStyle/>
-          <a:p>
-            <a:pPr algn="r"/>
-            <a:r>
-              <a:rPr lang="ko-KR" altLang="en-US" sz="1600" dirty="0">
-                <a:solidFill>
-                  <a:schemeClr val="bg1">
-                    <a:lumMod val="75000"/>
-                  </a:schemeClr>
-                </a:solidFill>
-              </a:rPr>
-              <a:t>김준형</a:t>
-            </a:r>
-          </a:p>
-        </p:txBody>
-      </p:sp>
-      <p:sp>
-        <p:nvSpPr>
           <p:cNvPr id="9" name="TextBox 8"/>
           <p:cNvSpPr txBox="1"/>
           <p:nvPr/>
@@ -21180,39 +22770,6 @@
           </a:fontRef>
         </p:style>
       </p:cxnSp>
-      <p:sp>
-        <p:nvSpPr>
-          <p:cNvPr id="17" name="직사각형 16"/>
-          <p:cNvSpPr/>
-          <p:nvPr/>
-        </p:nvSpPr>
-        <p:spPr>
-          <a:xfrm>
-            <a:off x="201838" y="271681"/>
-            <a:ext cx="1332416" cy="276999"/>
-          </a:xfrm>
-          <a:prstGeom prst="rect">
-            <a:avLst/>
-          </a:prstGeom>
-        </p:spPr>
-        <p:txBody>
-          <a:bodyPr wrap="none">
-            <a:spAutoFit/>
-          </a:bodyPr>
-          <a:lstStyle/>
-          <a:p>
-            <a:pPr algn="ctr"/>
-            <a:r>
-              <a:rPr lang="ko-KR" altLang="en-US" sz="1200" b="1" spc="-150" dirty="0">
-                <a:solidFill>
-                  <a:schemeClr val="bg1"/>
-                </a:solidFill>
-              </a:rPr>
-              <a:t>중간 프로젝트 발표</a:t>
-            </a:r>
-          </a:p>
-        </p:txBody>
-      </p:sp>
       <p:pic>
         <p:nvPicPr>
           <p:cNvPr id="18" name="_x48549128"/>
@@ -21435,6 +22992,171 @@
                 <a:schemeClr val="bg1"/>
               </a:solidFill>
             </a:endParaRPr>
+          </a:p>
+        </p:txBody>
+      </p:sp>
+      <p:sp>
+        <p:nvSpPr>
+          <p:cNvPr id="24" name="TextBox 23">
+            <a:extLst>
+              <a:ext uri="{FF2B5EF4-FFF2-40B4-BE49-F238E27FC236}">
+                <a16:creationId xmlns:a16="http://schemas.microsoft.com/office/drawing/2014/main" id="{F4273794-B506-415F-9714-E3B58F941697}"/>
+              </a:ext>
+            </a:extLst>
+          </p:cNvPr>
+          <p:cNvSpPr txBox="1"/>
+          <p:nvPr/>
+        </p:nvSpPr>
+        <p:spPr>
+          <a:xfrm>
+            <a:off x="5364088" y="271681"/>
+            <a:ext cx="3600400" cy="276999"/>
+          </a:xfrm>
+          <a:prstGeom prst="rect">
+            <a:avLst/>
+          </a:prstGeom>
+          <a:noFill/>
+        </p:spPr>
+        <p:txBody>
+          <a:bodyPr wrap="square" rtlCol="0">
+            <a:spAutoFit/>
+          </a:bodyPr>
+          <a:lstStyle/>
+          <a:p>
+            <a:pPr algn="dist"/>
+            <a:r>
+              <a:rPr lang="ko-KR" altLang="en-US" sz="1200" dirty="0" err="1">
+                <a:solidFill>
+                  <a:schemeClr val="bg1"/>
+                </a:solidFill>
+              </a:rPr>
+              <a:t>코세아</a:t>
+            </a:r>
+            <a:r>
+              <a:rPr lang="ko-KR" altLang="en-US" sz="1200" dirty="0">
+                <a:solidFill>
+                  <a:schemeClr val="bg1"/>
+                </a:solidFill>
+              </a:rPr>
+              <a:t> 인재 개발원 웹 개발자 과정 </a:t>
+            </a:r>
+            <a:r>
+              <a:rPr lang="en-US" altLang="ko-KR" sz="1200" dirty="0">
+                <a:solidFill>
+                  <a:schemeClr val="bg1"/>
+                </a:solidFill>
+              </a:rPr>
+              <a:t>31</a:t>
+            </a:r>
+            <a:r>
+              <a:rPr lang="ko-KR" altLang="en-US" sz="1200" dirty="0">
+                <a:solidFill>
+                  <a:schemeClr val="bg1"/>
+                </a:solidFill>
+              </a:rPr>
+              <a:t>기</a:t>
+            </a:r>
+          </a:p>
+        </p:txBody>
+      </p:sp>
+      <p:sp>
+        <p:nvSpPr>
+          <p:cNvPr id="25" name="TextBox 24">
+            <a:extLst>
+              <a:ext uri="{FF2B5EF4-FFF2-40B4-BE49-F238E27FC236}">
+                <a16:creationId xmlns:a16="http://schemas.microsoft.com/office/drawing/2014/main" id="{66A7FC28-8BF6-4918-9D53-9633018B2803}"/>
+              </a:ext>
+            </a:extLst>
+          </p:cNvPr>
+          <p:cNvSpPr txBox="1"/>
+          <p:nvPr/>
+        </p:nvSpPr>
+        <p:spPr>
+          <a:xfrm>
+            <a:off x="5724128" y="6577607"/>
+            <a:ext cx="3168352" cy="276999"/>
+          </a:xfrm>
+          <a:prstGeom prst="rect">
+            <a:avLst/>
+          </a:prstGeom>
+          <a:noFill/>
+        </p:spPr>
+        <p:txBody>
+          <a:bodyPr wrap="square" rtlCol="0">
+            <a:spAutoFit/>
+          </a:bodyPr>
+          <a:lstStyle/>
+          <a:p>
+            <a:pPr algn="r"/>
+            <a:r>
+              <a:rPr lang="ko-KR" altLang="en-US" sz="1200" dirty="0">
+                <a:solidFill>
+                  <a:schemeClr val="bg1">
+                    <a:lumMod val="75000"/>
+                  </a:schemeClr>
+                </a:solidFill>
+              </a:rPr>
+              <a:t>쇼핑몰 재고 관리 시스템 </a:t>
+            </a:r>
+            <a:r>
+              <a:rPr lang="en-US" altLang="ko-KR" sz="1200" dirty="0">
+                <a:solidFill>
+                  <a:schemeClr val="bg1">
+                    <a:lumMod val="75000"/>
+                  </a:schemeClr>
+                </a:solidFill>
+              </a:rPr>
+              <a:t>- </a:t>
+            </a:r>
+            <a:r>
+              <a:rPr lang="ko-KR" altLang="en-US" sz="1200" dirty="0">
+                <a:solidFill>
+                  <a:schemeClr val="bg1">
+                    <a:lumMod val="75000"/>
+                  </a:schemeClr>
+                </a:solidFill>
+              </a:rPr>
+              <a:t>김준형</a:t>
+            </a:r>
+          </a:p>
+        </p:txBody>
+      </p:sp>
+      <p:sp>
+        <p:nvSpPr>
+          <p:cNvPr id="26" name="직사각형 25">
+            <a:extLst>
+              <a:ext uri="{FF2B5EF4-FFF2-40B4-BE49-F238E27FC236}">
+                <a16:creationId xmlns:a16="http://schemas.microsoft.com/office/drawing/2014/main" id="{A7A10E38-8CE9-4806-B26A-6030D4042ECB}"/>
+              </a:ext>
+            </a:extLst>
+          </p:cNvPr>
+          <p:cNvSpPr/>
+          <p:nvPr/>
+        </p:nvSpPr>
+        <p:spPr>
+          <a:xfrm>
+            <a:off x="201838" y="271681"/>
+            <a:ext cx="1332416" cy="276999"/>
+          </a:xfrm>
+          <a:prstGeom prst="rect">
+            <a:avLst/>
+          </a:prstGeom>
+        </p:spPr>
+        <p:txBody>
+          <a:bodyPr wrap="none">
+            <a:spAutoFit/>
+          </a:bodyPr>
+          <a:lstStyle/>
+          <a:p>
+            <a:pPr algn="ctr"/>
+            <a:r>
+              <a:rPr lang="ko-KR" altLang="en-US" sz="1200" b="1" spc="-150" dirty="0">
+                <a:solidFill>
+                  <a:schemeClr val="bg1"/>
+                </a:solidFill>
+              </a:rPr>
+              <a:t>중간 프로젝트 발표</a:t>
+            </a:r>
           </a:p>
         </p:txBody>
       </p:sp>
@@ -22010,6 +23732,171 @@
           </a:p>
         </p:txBody>
       </p:sp>
+      <p:sp>
+        <p:nvSpPr>
+          <p:cNvPr id="17" name="TextBox 16">
+            <a:extLst>
+              <a:ext uri="{FF2B5EF4-FFF2-40B4-BE49-F238E27FC236}">
+                <a16:creationId xmlns:a16="http://schemas.microsoft.com/office/drawing/2014/main" id="{F10FF25C-2868-45A4-A048-AEA7FC178F76}"/>
+              </a:ext>
+            </a:extLst>
+          </p:cNvPr>
+          <p:cNvSpPr txBox="1"/>
+          <p:nvPr/>
+        </p:nvSpPr>
+        <p:spPr>
+          <a:xfrm>
+            <a:off x="5364088" y="271681"/>
+            <a:ext cx="3600400" cy="276999"/>
+          </a:xfrm>
+          <a:prstGeom prst="rect">
+            <a:avLst/>
+          </a:prstGeom>
+          <a:noFill/>
+        </p:spPr>
+        <p:txBody>
+          <a:bodyPr wrap="square" rtlCol="0">
+            <a:spAutoFit/>
+          </a:bodyPr>
+          <a:lstStyle/>
+          <a:p>
+            <a:pPr algn="dist"/>
+            <a:r>
+              <a:rPr lang="ko-KR" altLang="en-US" sz="1200" dirty="0" err="1">
+                <a:solidFill>
+                  <a:schemeClr val="bg1"/>
+                </a:solidFill>
+              </a:rPr>
+              <a:t>코세아</a:t>
+            </a:r>
+            <a:r>
+              <a:rPr lang="ko-KR" altLang="en-US" sz="1200" dirty="0">
+                <a:solidFill>
+                  <a:schemeClr val="bg1"/>
+                </a:solidFill>
+              </a:rPr>
+              <a:t> 인재 개발원 웹 개발자 과정 </a:t>
+            </a:r>
+            <a:r>
+              <a:rPr lang="en-US" altLang="ko-KR" sz="1200" dirty="0">
+                <a:solidFill>
+                  <a:schemeClr val="bg1"/>
+                </a:solidFill>
+              </a:rPr>
+              <a:t>31</a:t>
+            </a:r>
+            <a:r>
+              <a:rPr lang="ko-KR" altLang="en-US" sz="1200" dirty="0">
+                <a:solidFill>
+                  <a:schemeClr val="bg1"/>
+                </a:solidFill>
+              </a:rPr>
+              <a:t>기</a:t>
+            </a:r>
+          </a:p>
+        </p:txBody>
+      </p:sp>
+      <p:sp>
+        <p:nvSpPr>
+          <p:cNvPr id="21" name="TextBox 20">
+            <a:extLst>
+              <a:ext uri="{FF2B5EF4-FFF2-40B4-BE49-F238E27FC236}">
+                <a16:creationId xmlns:a16="http://schemas.microsoft.com/office/drawing/2014/main" id="{681DF255-2BEA-4910-B51E-C616B9D70E8B}"/>
+              </a:ext>
+            </a:extLst>
+          </p:cNvPr>
+          <p:cNvSpPr txBox="1"/>
+          <p:nvPr/>
+        </p:nvSpPr>
+        <p:spPr>
+          <a:xfrm>
+            <a:off x="5724128" y="6577607"/>
+            <a:ext cx="3168352" cy="276999"/>
+          </a:xfrm>
+          <a:prstGeom prst="rect">
+            <a:avLst/>
+          </a:prstGeom>
+          <a:noFill/>
+        </p:spPr>
+        <p:txBody>
+          <a:bodyPr wrap="square" rtlCol="0">
+            <a:spAutoFit/>
+          </a:bodyPr>
+          <a:lstStyle/>
+          <a:p>
+            <a:pPr algn="r"/>
+            <a:r>
+              <a:rPr lang="ko-KR" altLang="en-US" sz="1200" dirty="0">
+                <a:solidFill>
+                  <a:schemeClr val="bg1">
+                    <a:lumMod val="75000"/>
+                  </a:schemeClr>
+                </a:solidFill>
+              </a:rPr>
+              <a:t>쇼핑몰 재고 관리 시스템 </a:t>
+            </a:r>
+            <a:r>
+              <a:rPr lang="en-US" altLang="ko-KR" sz="1200" dirty="0">
+                <a:solidFill>
+                  <a:schemeClr val="bg1">
+                    <a:lumMod val="75000"/>
+                  </a:schemeClr>
+                </a:solidFill>
+              </a:rPr>
+              <a:t>- </a:t>
+            </a:r>
+            <a:r>
+              <a:rPr lang="ko-KR" altLang="en-US" sz="1200" dirty="0">
+                <a:solidFill>
+                  <a:schemeClr val="bg1">
+                    <a:lumMod val="75000"/>
+                  </a:schemeClr>
+                </a:solidFill>
+              </a:rPr>
+              <a:t>김준형</a:t>
+            </a:r>
+          </a:p>
+        </p:txBody>
+      </p:sp>
+      <p:sp>
+        <p:nvSpPr>
+          <p:cNvPr id="22" name="직사각형 21">
+            <a:extLst>
+              <a:ext uri="{FF2B5EF4-FFF2-40B4-BE49-F238E27FC236}">
+                <a16:creationId xmlns:a16="http://schemas.microsoft.com/office/drawing/2014/main" id="{92C55975-C196-4AA0-A3B9-C16FBD72BAA7}"/>
+              </a:ext>
+            </a:extLst>
+          </p:cNvPr>
+          <p:cNvSpPr/>
+          <p:nvPr/>
+        </p:nvSpPr>
+        <p:spPr>
+          <a:xfrm>
+            <a:off x="201838" y="271681"/>
+            <a:ext cx="1332416" cy="276999"/>
+          </a:xfrm>
+          <a:prstGeom prst="rect">
+            <a:avLst/>
+          </a:prstGeom>
+        </p:spPr>
+        <p:txBody>
+          <a:bodyPr wrap="none">
+            <a:spAutoFit/>
+          </a:bodyPr>
+          <a:lstStyle/>
+          <a:p>
+            <a:pPr algn="ctr"/>
+            <a:r>
+              <a:rPr lang="ko-KR" altLang="en-US" sz="1200" b="1" spc="-150" dirty="0">
+                <a:solidFill>
+                  <a:schemeClr val="bg1"/>
+                </a:solidFill>
+              </a:rPr>
+              <a:t>중간 프로젝트 발표</a:t>
+            </a:r>
+          </a:p>
+        </p:txBody>
+      </p:sp>
     </p:spTree>
   </p:cSld>
   <p:clrMapOvr>
@@ -22328,6 +24215,171 @@
           </a:p>
         </p:txBody>
       </p:sp>
+      <p:sp>
+        <p:nvSpPr>
+          <p:cNvPr id="15" name="TextBox 14">
+            <a:extLst>
+              <a:ext uri="{FF2B5EF4-FFF2-40B4-BE49-F238E27FC236}">
+                <a16:creationId xmlns:a16="http://schemas.microsoft.com/office/drawing/2014/main" id="{F8764A41-4FFC-4FD3-AF05-C72667B16FD5}"/>
+              </a:ext>
+            </a:extLst>
+          </p:cNvPr>
+          <p:cNvSpPr txBox="1"/>
+          <p:nvPr/>
+        </p:nvSpPr>
+        <p:spPr>
+          <a:xfrm>
+            <a:off x="5364088" y="271681"/>
+            <a:ext cx="3600400" cy="276999"/>
+          </a:xfrm>
+          <a:prstGeom prst="rect">
+            <a:avLst/>
+          </a:prstGeom>
+          <a:noFill/>
+        </p:spPr>
+        <p:txBody>
+          <a:bodyPr wrap="square" rtlCol="0">
+            <a:spAutoFit/>
+          </a:bodyPr>
+          <a:lstStyle/>
+          <a:p>
+            <a:pPr algn="dist"/>
+            <a:r>
+              <a:rPr lang="ko-KR" altLang="en-US" sz="1200" dirty="0" err="1">
+                <a:solidFill>
+                  <a:schemeClr val="bg1"/>
+                </a:solidFill>
+              </a:rPr>
+              <a:t>코세아</a:t>
+            </a:r>
+            <a:r>
+              <a:rPr lang="ko-KR" altLang="en-US" sz="1200" dirty="0">
+                <a:solidFill>
+                  <a:schemeClr val="bg1"/>
+                </a:solidFill>
+              </a:rPr>
+              <a:t> 인재 개발원 웹 개발자 과정 </a:t>
+            </a:r>
+            <a:r>
+              <a:rPr lang="en-US" altLang="ko-KR" sz="1200" dirty="0">
+                <a:solidFill>
+                  <a:schemeClr val="bg1"/>
+                </a:solidFill>
+              </a:rPr>
+              <a:t>31</a:t>
+            </a:r>
+            <a:r>
+              <a:rPr lang="ko-KR" altLang="en-US" sz="1200" dirty="0">
+                <a:solidFill>
+                  <a:schemeClr val="bg1"/>
+                </a:solidFill>
+              </a:rPr>
+              <a:t>기</a:t>
+            </a:r>
+          </a:p>
+        </p:txBody>
+      </p:sp>
+      <p:sp>
+        <p:nvSpPr>
+          <p:cNvPr id="16" name="TextBox 15">
+            <a:extLst>
+              <a:ext uri="{FF2B5EF4-FFF2-40B4-BE49-F238E27FC236}">
+                <a16:creationId xmlns:a16="http://schemas.microsoft.com/office/drawing/2014/main" id="{B2DE6A76-5C4C-4163-9FC5-85AB8159AF80}"/>
+              </a:ext>
+            </a:extLst>
+          </p:cNvPr>
+          <p:cNvSpPr txBox="1"/>
+          <p:nvPr/>
+        </p:nvSpPr>
+        <p:spPr>
+          <a:xfrm>
+            <a:off x="5724128" y="6577607"/>
+            <a:ext cx="3168352" cy="276999"/>
+          </a:xfrm>
+          <a:prstGeom prst="rect">
+            <a:avLst/>
+          </a:prstGeom>
+          <a:noFill/>
+        </p:spPr>
+        <p:txBody>
+          <a:bodyPr wrap="square" rtlCol="0">
+            <a:spAutoFit/>
+          </a:bodyPr>
+          <a:lstStyle/>
+          <a:p>
+            <a:pPr algn="r"/>
+            <a:r>
+              <a:rPr lang="ko-KR" altLang="en-US" sz="1200" dirty="0">
+                <a:solidFill>
+                  <a:schemeClr val="bg1">
+                    <a:lumMod val="75000"/>
+                  </a:schemeClr>
+                </a:solidFill>
+              </a:rPr>
+              <a:t>쇼핑몰 재고 관리 시스템 </a:t>
+            </a:r>
+            <a:r>
+              <a:rPr lang="en-US" altLang="ko-KR" sz="1200" dirty="0">
+                <a:solidFill>
+                  <a:schemeClr val="bg1">
+                    <a:lumMod val="75000"/>
+                  </a:schemeClr>
+                </a:solidFill>
+              </a:rPr>
+              <a:t>- </a:t>
+            </a:r>
+            <a:r>
+              <a:rPr lang="ko-KR" altLang="en-US" sz="1200" dirty="0">
+                <a:solidFill>
+                  <a:schemeClr val="bg1">
+                    <a:lumMod val="75000"/>
+                  </a:schemeClr>
+                </a:solidFill>
+              </a:rPr>
+              <a:t>김준형</a:t>
+            </a:r>
+          </a:p>
+        </p:txBody>
+      </p:sp>
+      <p:sp>
+        <p:nvSpPr>
+          <p:cNvPr id="17" name="직사각형 16">
+            <a:extLst>
+              <a:ext uri="{FF2B5EF4-FFF2-40B4-BE49-F238E27FC236}">
+                <a16:creationId xmlns:a16="http://schemas.microsoft.com/office/drawing/2014/main" id="{321B5DF6-29E6-4E40-87F0-595B550F8129}"/>
+              </a:ext>
+            </a:extLst>
+          </p:cNvPr>
+          <p:cNvSpPr/>
+          <p:nvPr/>
+        </p:nvSpPr>
+        <p:spPr>
+          <a:xfrm>
+            <a:off x="201838" y="271681"/>
+            <a:ext cx="1332416" cy="276999"/>
+          </a:xfrm>
+          <a:prstGeom prst="rect">
+            <a:avLst/>
+          </a:prstGeom>
+        </p:spPr>
+        <p:txBody>
+          <a:bodyPr wrap="none">
+            <a:spAutoFit/>
+          </a:bodyPr>
+          <a:lstStyle/>
+          <a:p>
+            <a:pPr algn="ctr"/>
+            <a:r>
+              <a:rPr lang="ko-KR" altLang="en-US" sz="1200" b="1" spc="-150" dirty="0">
+                <a:solidFill>
+                  <a:schemeClr val="bg1"/>
+                </a:solidFill>
+              </a:rPr>
+              <a:t>중간 프로젝트 발표</a:t>
+            </a:r>
+          </a:p>
+        </p:txBody>
+      </p:sp>
     </p:spTree>
   </p:cSld>
   <p:clrMapOvr>
@@ -22640,49 +24692,6 @@
       </p:sp>
       <p:sp>
         <p:nvSpPr>
-          <p:cNvPr id="17" name="TextBox 16"/>
-          <p:cNvSpPr txBox="1"/>
-          <p:nvPr/>
-        </p:nvSpPr>
-        <p:spPr>
-          <a:xfrm>
-            <a:off x="7164288" y="6546830"/>
-            <a:ext cx="1728192" cy="338554"/>
-          </a:xfrm>
-          <a:prstGeom prst="rect">
-            <a:avLst/>
-          </a:prstGeom>
-          <a:noFill/>
-        </p:spPr>
-        <p:txBody>
-          <a:bodyPr wrap="square" rtlCol="0">
-            <a:spAutoFit/>
-          </a:bodyPr>
-          <a:lstStyle/>
-          <a:p>
-            <a:pPr algn="r"/>
-            <a:r>
-              <a:rPr lang="en-US" altLang="ko-KR" sz="1600" dirty="0">
-                <a:solidFill>
-                  <a:schemeClr val="bg1">
-                    <a:lumMod val="75000"/>
-                  </a:schemeClr>
-                </a:solidFill>
-              </a:rPr>
-              <a:t>MINHEEBLOG</a:t>
-            </a:r>
-            <a:endParaRPr lang="ko-KR" altLang="en-US" sz="1600" dirty="0">
-              <a:solidFill>
-                <a:schemeClr val="bg1">
-                  <a:lumMod val="75000"/>
-                </a:schemeClr>
-              </a:solidFill>
-            </a:endParaRPr>
-          </a:p>
-        </p:txBody>
-      </p:sp>
-      <p:sp>
-        <p:nvSpPr>
           <p:cNvPr id="9" name="TextBox 8"/>
           <p:cNvSpPr txBox="1"/>
           <p:nvPr/>
@@ -22845,6 +24854,171 @@
           </a:prstGeom>
         </p:spPr>
       </p:pic>
+      <p:sp>
+        <p:nvSpPr>
+          <p:cNvPr id="21" name="TextBox 20">
+            <a:extLst>
+              <a:ext uri="{FF2B5EF4-FFF2-40B4-BE49-F238E27FC236}">
+                <a16:creationId xmlns:a16="http://schemas.microsoft.com/office/drawing/2014/main" id="{436A0DCE-5FA2-4635-9958-34A6D0F18B71}"/>
+              </a:ext>
+            </a:extLst>
+          </p:cNvPr>
+          <p:cNvSpPr txBox="1"/>
+          <p:nvPr/>
+        </p:nvSpPr>
+        <p:spPr>
+          <a:xfrm>
+            <a:off x="5364088" y="271681"/>
+            <a:ext cx="3600400" cy="276999"/>
+          </a:xfrm>
+          <a:prstGeom prst="rect">
+            <a:avLst/>
+          </a:prstGeom>
+          <a:noFill/>
+        </p:spPr>
+        <p:txBody>
+          <a:bodyPr wrap="square" rtlCol="0">
+            <a:spAutoFit/>
+          </a:bodyPr>
+          <a:lstStyle/>
+          <a:p>
+            <a:pPr algn="dist"/>
+            <a:r>
+              <a:rPr lang="ko-KR" altLang="en-US" sz="1200" dirty="0" err="1">
+                <a:solidFill>
+                  <a:schemeClr val="bg1"/>
+                </a:solidFill>
+              </a:rPr>
+              <a:t>코세아</a:t>
+            </a:r>
+            <a:r>
+              <a:rPr lang="ko-KR" altLang="en-US" sz="1200" dirty="0">
+                <a:solidFill>
+                  <a:schemeClr val="bg1"/>
+                </a:solidFill>
+              </a:rPr>
+              <a:t> 인재 개발원 웹 개발자 과정 </a:t>
+            </a:r>
+            <a:r>
+              <a:rPr lang="en-US" altLang="ko-KR" sz="1200" dirty="0">
+                <a:solidFill>
+                  <a:schemeClr val="bg1"/>
+                </a:solidFill>
+              </a:rPr>
+              <a:t>31</a:t>
+            </a:r>
+            <a:r>
+              <a:rPr lang="ko-KR" altLang="en-US" sz="1200" dirty="0">
+                <a:solidFill>
+                  <a:schemeClr val="bg1"/>
+                </a:solidFill>
+              </a:rPr>
+              <a:t>기</a:t>
+            </a:r>
+          </a:p>
+        </p:txBody>
+      </p:sp>
+      <p:sp>
+        <p:nvSpPr>
+          <p:cNvPr id="22" name="TextBox 21">
+            <a:extLst>
+              <a:ext uri="{FF2B5EF4-FFF2-40B4-BE49-F238E27FC236}">
+                <a16:creationId xmlns:a16="http://schemas.microsoft.com/office/drawing/2014/main" id="{B422735D-4774-4985-822D-620F944BC064}"/>
+              </a:ext>
+            </a:extLst>
+          </p:cNvPr>
+          <p:cNvSpPr txBox="1"/>
+          <p:nvPr/>
+        </p:nvSpPr>
+        <p:spPr>
+          <a:xfrm>
+            <a:off x="5724128" y="6577607"/>
+            <a:ext cx="3168352" cy="276999"/>
+          </a:xfrm>
+          <a:prstGeom prst="rect">
+            <a:avLst/>
+          </a:prstGeom>
+          <a:noFill/>
+        </p:spPr>
+        <p:txBody>
+          <a:bodyPr wrap="square" rtlCol="0">
+            <a:spAutoFit/>
+          </a:bodyPr>
+          <a:lstStyle/>
+          <a:p>
+            <a:pPr algn="r"/>
+            <a:r>
+              <a:rPr lang="ko-KR" altLang="en-US" sz="1200" dirty="0">
+                <a:solidFill>
+                  <a:schemeClr val="bg1">
+                    <a:lumMod val="75000"/>
+                  </a:schemeClr>
+                </a:solidFill>
+              </a:rPr>
+              <a:t>쇼핑몰 재고 관리 시스템 </a:t>
+            </a:r>
+            <a:r>
+              <a:rPr lang="en-US" altLang="ko-KR" sz="1200" dirty="0">
+                <a:solidFill>
+                  <a:schemeClr val="bg1">
+                    <a:lumMod val="75000"/>
+                  </a:schemeClr>
+                </a:solidFill>
+              </a:rPr>
+              <a:t>- </a:t>
+            </a:r>
+            <a:r>
+              <a:rPr lang="ko-KR" altLang="en-US" sz="1200" dirty="0">
+                <a:solidFill>
+                  <a:schemeClr val="bg1">
+                    <a:lumMod val="75000"/>
+                  </a:schemeClr>
+                </a:solidFill>
+              </a:rPr>
+              <a:t>김준형</a:t>
+            </a:r>
+          </a:p>
+        </p:txBody>
+      </p:sp>
+      <p:sp>
+        <p:nvSpPr>
+          <p:cNvPr id="23" name="직사각형 22">
+            <a:extLst>
+              <a:ext uri="{FF2B5EF4-FFF2-40B4-BE49-F238E27FC236}">
+                <a16:creationId xmlns:a16="http://schemas.microsoft.com/office/drawing/2014/main" id="{DEDA09F9-9673-4F82-A66B-03F79903C2FD}"/>
+              </a:ext>
+            </a:extLst>
+          </p:cNvPr>
+          <p:cNvSpPr/>
+          <p:nvPr/>
+        </p:nvSpPr>
+        <p:spPr>
+          <a:xfrm>
+            <a:off x="201838" y="271681"/>
+            <a:ext cx="1332416" cy="276999"/>
+          </a:xfrm>
+          <a:prstGeom prst="rect">
+            <a:avLst/>
+          </a:prstGeom>
+        </p:spPr>
+        <p:txBody>
+          <a:bodyPr wrap="none">
+            <a:spAutoFit/>
+          </a:bodyPr>
+          <a:lstStyle/>
+          <a:p>
+            <a:pPr algn="ctr"/>
+            <a:r>
+              <a:rPr lang="ko-KR" altLang="en-US" sz="1200" b="1" spc="-150" dirty="0">
+                <a:solidFill>
+                  <a:schemeClr val="bg1"/>
+                </a:solidFill>
+              </a:rPr>
+              <a:t>중간 프로젝트 발표</a:t>
+            </a:r>
+          </a:p>
+        </p:txBody>
+      </p:sp>
     </p:spTree>
     <p:extLst>
       <p:ext uri="{BB962C8B-B14F-4D97-AF65-F5344CB8AC3E}">
@@ -23136,49 +25310,6 @@
       </p:sp>
       <p:sp>
         <p:nvSpPr>
-          <p:cNvPr id="17" name="TextBox 16"/>
-          <p:cNvSpPr txBox="1"/>
-          <p:nvPr/>
-        </p:nvSpPr>
-        <p:spPr>
-          <a:xfrm>
-            <a:off x="7164288" y="6546830"/>
-            <a:ext cx="1728192" cy="338554"/>
-          </a:xfrm>
-          <a:prstGeom prst="rect">
-            <a:avLst/>
-          </a:prstGeom>
-          <a:noFill/>
-        </p:spPr>
-        <p:txBody>
-          <a:bodyPr wrap="square" rtlCol="0">
-            <a:spAutoFit/>
-          </a:bodyPr>
-          <a:lstStyle/>
-          <a:p>
-            <a:pPr algn="r"/>
-            <a:r>
-              <a:rPr lang="en-US" altLang="ko-KR" sz="1600" dirty="0">
-                <a:solidFill>
-                  <a:schemeClr val="bg1">
-                    <a:lumMod val="75000"/>
-                  </a:schemeClr>
-                </a:solidFill>
-              </a:rPr>
-              <a:t>MINHEEBLOG</a:t>
-            </a:r>
-            <a:endParaRPr lang="ko-KR" altLang="en-US" sz="1600" dirty="0">
-              <a:solidFill>
-                <a:schemeClr val="bg1">
-                  <a:lumMod val="75000"/>
-                </a:schemeClr>
-              </a:solidFill>
-            </a:endParaRPr>
-          </a:p>
-        </p:txBody>
-      </p:sp>
-      <p:sp>
-        <p:nvSpPr>
           <p:cNvPr id="9" name="TextBox 8"/>
           <p:cNvSpPr txBox="1"/>
           <p:nvPr/>
@@ -23307,10 +25438,10 @@
       </p:sp>
       <p:pic>
         <p:nvPicPr>
-          <p:cNvPr id="5" name="그림 4" descr="스크린샷이(가) 표시된 사진&#10;&#10;자동 생성된 설명">
+          <p:cNvPr id="8" name="그림 7" descr="스크린샷이(가) 표시된 사진&#10;&#10;자동 생성된 설명">
             <a:extLst>
               <a:ext uri="{FF2B5EF4-FFF2-40B4-BE49-F238E27FC236}">
-                <a16:creationId xmlns:a16="http://schemas.microsoft.com/office/drawing/2014/main" id="{DC627DBD-9971-404E-BF6E-969E6313FB16}"/>
+                <a16:creationId xmlns:a16="http://schemas.microsoft.com/office/drawing/2014/main" id="{D6D4ECC8-9E75-4636-8505-66D4A5D6E260}"/>
               </a:ext>
             </a:extLst>
           </p:cNvPr>
@@ -23333,14 +25464,179 @@
         </p:blipFill>
         <p:spPr>
           <a:xfrm>
-            <a:off x="4515349" y="1124744"/>
-            <a:ext cx="4089099" cy="5041475"/>
+            <a:off x="4716016" y="1009359"/>
+            <a:ext cx="3807270" cy="5070430"/>
           </a:xfrm>
           <a:prstGeom prst="rect">
             <a:avLst/>
           </a:prstGeom>
         </p:spPr>
       </p:pic>
+      <p:sp>
+        <p:nvSpPr>
+          <p:cNvPr id="19" name="TextBox 18">
+            <a:extLst>
+              <a:ext uri="{FF2B5EF4-FFF2-40B4-BE49-F238E27FC236}">
+                <a16:creationId xmlns:a16="http://schemas.microsoft.com/office/drawing/2014/main" id="{EB479A35-C612-467F-9A9E-52DD79DB2116}"/>
+              </a:ext>
+            </a:extLst>
+          </p:cNvPr>
+          <p:cNvSpPr txBox="1"/>
+          <p:nvPr/>
+        </p:nvSpPr>
+        <p:spPr>
+          <a:xfrm>
+            <a:off x="5364088" y="271681"/>
+            <a:ext cx="3600400" cy="276999"/>
+          </a:xfrm>
+          <a:prstGeom prst="rect">
+            <a:avLst/>
+          </a:prstGeom>
+          <a:noFill/>
+        </p:spPr>
+        <p:txBody>
+          <a:bodyPr wrap="square" rtlCol="0">
+            <a:spAutoFit/>
+          </a:bodyPr>
+          <a:lstStyle/>
+          <a:p>
+            <a:pPr algn="dist"/>
+            <a:r>
+              <a:rPr lang="ko-KR" altLang="en-US" sz="1200" dirty="0" err="1">
+                <a:solidFill>
+                  <a:schemeClr val="bg1"/>
+                </a:solidFill>
+              </a:rPr>
+              <a:t>코세아</a:t>
+            </a:r>
+            <a:r>
+              <a:rPr lang="ko-KR" altLang="en-US" sz="1200" dirty="0">
+                <a:solidFill>
+                  <a:schemeClr val="bg1"/>
+                </a:solidFill>
+              </a:rPr>
+              <a:t> 인재 개발원 웹 개발자 과정 </a:t>
+            </a:r>
+            <a:r>
+              <a:rPr lang="en-US" altLang="ko-KR" sz="1200" dirty="0">
+                <a:solidFill>
+                  <a:schemeClr val="bg1"/>
+                </a:solidFill>
+              </a:rPr>
+              <a:t>31</a:t>
+            </a:r>
+            <a:r>
+              <a:rPr lang="ko-KR" altLang="en-US" sz="1200" dirty="0">
+                <a:solidFill>
+                  <a:schemeClr val="bg1"/>
+                </a:solidFill>
+              </a:rPr>
+              <a:t>기</a:t>
+            </a:r>
+          </a:p>
+        </p:txBody>
+      </p:sp>
+      <p:sp>
+        <p:nvSpPr>
+          <p:cNvPr id="20" name="TextBox 19">
+            <a:extLst>
+              <a:ext uri="{FF2B5EF4-FFF2-40B4-BE49-F238E27FC236}">
+                <a16:creationId xmlns:a16="http://schemas.microsoft.com/office/drawing/2014/main" id="{5068E909-1D15-4B89-9D12-D810CCFA82D8}"/>
+              </a:ext>
+            </a:extLst>
+          </p:cNvPr>
+          <p:cNvSpPr txBox="1"/>
+          <p:nvPr/>
+        </p:nvSpPr>
+        <p:spPr>
+          <a:xfrm>
+            <a:off x="5724128" y="6577607"/>
+            <a:ext cx="3168352" cy="276999"/>
+          </a:xfrm>
+          <a:prstGeom prst="rect">
+            <a:avLst/>
+          </a:prstGeom>
+          <a:noFill/>
+        </p:spPr>
+        <p:txBody>
+          <a:bodyPr wrap="square" rtlCol="0">
+            <a:spAutoFit/>
+          </a:bodyPr>
+          <a:lstStyle/>
+          <a:p>
+            <a:pPr algn="r"/>
+            <a:r>
+              <a:rPr lang="ko-KR" altLang="en-US" sz="1200" dirty="0">
+                <a:solidFill>
+                  <a:schemeClr val="bg1">
+                    <a:lumMod val="75000"/>
+                  </a:schemeClr>
+                </a:solidFill>
+              </a:rPr>
+              <a:t>쇼핑몰 재고 관리 시스템 </a:t>
+            </a:r>
+            <a:r>
+              <a:rPr lang="en-US" altLang="ko-KR" sz="1200" dirty="0">
+                <a:solidFill>
+                  <a:schemeClr val="bg1">
+                    <a:lumMod val="75000"/>
+                  </a:schemeClr>
+                </a:solidFill>
+              </a:rPr>
+              <a:t>- </a:t>
+            </a:r>
+            <a:r>
+              <a:rPr lang="ko-KR" altLang="en-US" sz="1200" dirty="0">
+                <a:solidFill>
+                  <a:schemeClr val="bg1">
+                    <a:lumMod val="75000"/>
+                  </a:schemeClr>
+                </a:solidFill>
+              </a:rPr>
+              <a:t>김준형</a:t>
+            </a:r>
+          </a:p>
+        </p:txBody>
+      </p:sp>
+      <p:sp>
+        <p:nvSpPr>
+          <p:cNvPr id="21" name="직사각형 20">
+            <a:extLst>
+              <a:ext uri="{FF2B5EF4-FFF2-40B4-BE49-F238E27FC236}">
+                <a16:creationId xmlns:a16="http://schemas.microsoft.com/office/drawing/2014/main" id="{360D368E-6723-422B-925F-42EBAC311978}"/>
+              </a:ext>
+            </a:extLst>
+          </p:cNvPr>
+          <p:cNvSpPr/>
+          <p:nvPr/>
+        </p:nvSpPr>
+        <p:spPr>
+          <a:xfrm>
+            <a:off x="201838" y="271681"/>
+            <a:ext cx="1332416" cy="276999"/>
+          </a:xfrm>
+          <a:prstGeom prst="rect">
+            <a:avLst/>
+          </a:prstGeom>
+        </p:spPr>
+        <p:txBody>
+          <a:bodyPr wrap="none">
+            <a:spAutoFit/>
+          </a:bodyPr>
+          <a:lstStyle/>
+          <a:p>
+            <a:pPr algn="ctr"/>
+            <a:r>
+              <a:rPr lang="ko-KR" altLang="en-US" sz="1200" b="1" spc="-150" dirty="0">
+                <a:solidFill>
+                  <a:schemeClr val="bg1"/>
+                </a:solidFill>
+              </a:rPr>
+              <a:t>중간 프로젝트 발표</a:t>
+            </a:r>
+          </a:p>
+        </p:txBody>
+      </p:sp>
     </p:spTree>
     <p:extLst>
       <p:ext uri="{BB962C8B-B14F-4D97-AF65-F5344CB8AC3E}">

--- a/Kosea_Mid_Project/김준형 Project-2nd.pptx
+++ b/Kosea_Mid_Project/김준형 Project-2nd.pptx
@@ -12092,7 +12092,7 @@
                   <a:schemeClr val="bg1"/>
                 </a:solidFill>
               </a:rPr>
-              <a:t> 쇼핑몰 재고 관리 시스템</a:t>
+              <a:t>쇼핑몰 통합 관리 시스템</a:t>
             </a:r>
             <a:endParaRPr lang="en-US" altLang="ko-KR" sz="4400" b="1" spc="-150" dirty="0">
               <a:solidFill>
@@ -12212,7 +12212,7 @@
         </p:nvSpPr>
         <p:spPr>
           <a:xfrm>
-            <a:off x="2915816" y="6093296"/>
+            <a:off x="2811804" y="6093296"/>
             <a:ext cx="3600400" cy="338554"/>
           </a:xfrm>
           <a:prstGeom prst="rect">
@@ -12926,7 +12926,7 @@
                   </a:schemeClr>
                 </a:solidFill>
               </a:rPr>
-              <a:t>쇼핑몰 재고 관리 시스템 </a:t>
+              <a:t>쇼핑몰 통합 관리 시스템 </a:t>
             </a:r>
             <a:r>
               <a:rPr lang="en-US" altLang="ko-KR" sz="1200" dirty="0">
@@ -13614,7 +13614,7 @@
                   </a:schemeClr>
                 </a:solidFill>
               </a:rPr>
-              <a:t>쇼핑몰 재고 관리 시스템 </a:t>
+              <a:t>쇼핑몰 통합 관리 시스템 </a:t>
             </a:r>
             <a:r>
               <a:rPr lang="en-US" altLang="ko-KR" sz="1200" dirty="0">
@@ -14271,7 +14271,7 @@
                   </a:schemeClr>
                 </a:solidFill>
               </a:rPr>
-              <a:t>쇼핑몰 재고 관리 시스템 </a:t>
+              <a:t>쇼핑몰 통합 관리 시스템 </a:t>
             </a:r>
             <a:r>
               <a:rPr lang="en-US" altLang="ko-KR" sz="1200" dirty="0">
@@ -14930,7 +14930,7 @@
                   </a:schemeClr>
                 </a:solidFill>
               </a:rPr>
-              <a:t>쇼핑몰 재고 관리 시스템 </a:t>
+              <a:t>쇼핑몰 통합 관리 시스템 </a:t>
             </a:r>
             <a:r>
               <a:rPr lang="en-US" altLang="ko-KR" sz="1200" dirty="0">
@@ -15597,7 +15597,7 @@
                   </a:schemeClr>
                 </a:solidFill>
               </a:rPr>
-              <a:t>쇼핑몰 재고 관리 시스템 </a:t>
+              <a:t>쇼핑몰 통합 관리 시스템 </a:t>
             </a:r>
             <a:r>
               <a:rPr lang="en-US" altLang="ko-KR" sz="1200" dirty="0">
@@ -16193,7 +16193,7 @@
                   </a:schemeClr>
                 </a:solidFill>
               </a:rPr>
-              <a:t>쇼핑몰 재고 관리 시스템 </a:t>
+              <a:t>쇼핑몰 통합 관리 시스템 </a:t>
             </a:r>
             <a:r>
               <a:rPr lang="en-US" altLang="ko-KR" sz="1200" dirty="0">
@@ -16901,7 +16901,7 @@
                   </a:schemeClr>
                 </a:solidFill>
               </a:rPr>
-              <a:t>쇼핑몰 재고 관리 시스템 </a:t>
+              <a:t>쇼핑몰 통합 관리 시스템 </a:t>
             </a:r>
             <a:r>
               <a:rPr lang="en-US" altLang="ko-KR" sz="1200" dirty="0">
@@ -17610,7 +17610,7 @@
                   </a:schemeClr>
                 </a:solidFill>
               </a:rPr>
-              <a:t>쇼핑몰 재고 관리 시스템 </a:t>
+              <a:t>쇼핑몰 통합 관리 시스템 </a:t>
             </a:r>
             <a:r>
               <a:rPr lang="en-US" altLang="ko-KR" sz="1200" dirty="0">
@@ -18400,7 +18400,7 @@
                   </a:schemeClr>
                 </a:solidFill>
               </a:rPr>
-              <a:t>쇼핑몰 재고 관리 시스템 </a:t>
+              <a:t>쇼핑몰 통합 관리 시스템 </a:t>
             </a:r>
             <a:r>
               <a:rPr lang="en-US" altLang="ko-KR" sz="1200" dirty="0">
@@ -19046,7 +19046,7 @@
                   </a:schemeClr>
                 </a:solidFill>
               </a:rPr>
-              <a:t>쇼핑몰 재고 관리 시스템 </a:t>
+              <a:t>쇼핑몰 통합 관리 시스템 </a:t>
             </a:r>
             <a:r>
               <a:rPr lang="en-US" altLang="ko-KR" sz="1200" dirty="0">
@@ -20552,7 +20552,7 @@
                   </a:schemeClr>
                 </a:solidFill>
               </a:rPr>
-              <a:t>쇼핑몰 재고 관리 시스템 </a:t>
+              <a:t>쇼핑몰 통합 관리 시스템 </a:t>
             </a:r>
             <a:r>
               <a:rPr lang="en-US" altLang="ko-KR" sz="1200" dirty="0">
@@ -21207,6 +21207,43 @@
               </a:rPr>
               <a:t> 구성</a:t>
             </a:r>
+            <a:endParaRPr lang="en-US" altLang="ko-KR" b="1" dirty="0">
+              <a:solidFill>
+                <a:schemeClr val="tx1"/>
+              </a:solidFill>
+            </a:endParaRPr>
+          </a:p>
+          <a:p>
+            <a:pPr algn="ctr"/>
+            <a:r>
+              <a:rPr lang="ko-KR" altLang="en-US" b="1" dirty="0">
+                <a:solidFill>
+                  <a:schemeClr val="tx1"/>
+                </a:solidFill>
+              </a:rPr>
+              <a:t>시스템</a:t>
+            </a:r>
+            <a:endParaRPr lang="en-US" altLang="ko-KR" b="1" dirty="0">
+              <a:solidFill>
+                <a:schemeClr val="tx1"/>
+              </a:solidFill>
+            </a:endParaRPr>
+          </a:p>
+          <a:p>
+            <a:pPr algn="ctr"/>
+            <a:r>
+              <a:rPr lang="ko-KR" altLang="en-US" b="1">
+                <a:solidFill>
+                  <a:schemeClr val="tx1"/>
+                </a:solidFill>
+              </a:rPr>
+              <a:t>구조 설계</a:t>
+            </a:r>
+            <a:endParaRPr lang="en-US" altLang="ko-KR" b="1">
+              <a:solidFill>
+                <a:schemeClr val="tx1"/>
+              </a:solidFill>
+            </a:endParaRPr>
           </a:p>
         </p:txBody>
       </p:sp>
@@ -21829,7 +21866,7 @@
                   </a:schemeClr>
                 </a:solidFill>
               </a:rPr>
-              <a:t>쇼핑몰 재고 관리 시스템 </a:t>
+              <a:t>쇼핑몰 통합 관리 시스템 </a:t>
             </a:r>
             <a:r>
               <a:rPr lang="en-US" altLang="ko-KR" sz="1200" dirty="0">
@@ -22275,7 +22312,7 @@
                   </a:schemeClr>
                 </a:solidFill>
               </a:rPr>
-              <a:t>쇼핑몰 재고 관리 시스템 </a:t>
+              <a:t>쇼핑몰 통합 관리 시스템 </a:t>
             </a:r>
             <a:r>
               <a:rPr lang="en-US" altLang="ko-KR" sz="1200" dirty="0">
@@ -23096,7 +23133,7 @@
                   </a:schemeClr>
                 </a:solidFill>
               </a:rPr>
-              <a:t>쇼핑몰 재고 관리 시스템 </a:t>
+              <a:t>쇼핑몰 통합 관리 시스템 </a:t>
             </a:r>
             <a:r>
               <a:rPr lang="en-US" altLang="ko-KR" sz="1200" dirty="0">
@@ -23477,6 +23514,19 @@
               <a:rPr lang="ko-KR" altLang="en-US" b="1" spc="-150" dirty="0"/>
               <a:t>차 구현 중점</a:t>
             </a:r>
+            <a:r>
+              <a:rPr lang="en-US" altLang="ko-KR" b="1" spc="-150" dirty="0"/>
+              <a:t>(1~3</a:t>
+            </a:r>
+            <a:r>
+              <a:rPr lang="ko-KR" altLang="en-US" b="1" spc="-150" dirty="0"/>
+              <a:t>주차</a:t>
+            </a:r>
+            <a:r>
+              <a:rPr lang="en-US" altLang="ko-KR" b="1" spc="-150" dirty="0"/>
+              <a:t>)</a:t>
+            </a:r>
+            <a:endParaRPr lang="ko-KR" altLang="en-US" b="1" spc="-150" dirty="0"/>
           </a:p>
         </p:txBody>
       </p:sp>
@@ -23833,7 +23883,7 @@
                   </a:schemeClr>
                 </a:solidFill>
               </a:rPr>
-              <a:t>쇼핑몰 재고 관리 시스템 </a:t>
+              <a:t>쇼핑몰 통합 관리 시스템 </a:t>
             </a:r>
             <a:r>
               <a:rPr lang="en-US" altLang="ko-KR" sz="1200" dirty="0">
@@ -24100,6 +24150,18 @@
               <a:rPr lang="ko-KR" altLang="en-US" b="1" dirty="0"/>
               <a:t>차 구현 중점</a:t>
             </a:r>
+            <a:r>
+              <a:rPr lang="en-US" altLang="ko-KR" b="1" dirty="0"/>
+              <a:t>(4</a:t>
+            </a:r>
+            <a:r>
+              <a:rPr lang="ko-KR" altLang="en-US" b="1" dirty="0"/>
+              <a:t>주차</a:t>
+            </a:r>
+            <a:r>
+              <a:rPr lang="en-US" altLang="ko-KR" b="1" dirty="0"/>
+              <a:t>)</a:t>
+            </a:r>
             <a:endParaRPr lang="ko-KR" altLang="en-US" dirty="0"/>
           </a:p>
           <a:p>
@@ -24316,7 +24378,7 @@
                   </a:schemeClr>
                 </a:solidFill>
               </a:rPr>
-              <a:t>쇼핑몰 재고 관리 시스템 </a:t>
+              <a:t>쇼핑몰 통합 관리 시스템 </a:t>
             </a:r>
             <a:r>
               <a:rPr lang="en-US" altLang="ko-KR" sz="1200" dirty="0">
@@ -24955,7 +25017,7 @@
                   </a:schemeClr>
                 </a:solidFill>
               </a:rPr>
-              <a:t>쇼핑몰 재고 관리 시스템 </a:t>
+              <a:t>쇼핑몰 통합 관리 시스템 </a:t>
             </a:r>
             <a:r>
               <a:rPr lang="en-US" altLang="ko-KR" sz="1200" dirty="0">
@@ -25573,7 +25635,7 @@
                   </a:schemeClr>
                 </a:solidFill>
               </a:rPr>
-              <a:t>쇼핑몰 재고 관리 시스템 </a:t>
+              <a:t>쇼핑몰 통합 관리 시스템 </a:t>
             </a:r>
             <a:r>
               <a:rPr lang="en-US" altLang="ko-KR" sz="1200" dirty="0">
